--- a/portfolio/포트폴리오.pptx
+++ b/portfolio/포트폴리오.pptx
@@ -5,7 +5,7 @@
     <p:sldMasterId id="2147483648" r:id="rId1"/>
   </p:sldMasterIdLst>
   <p:notesMasterIdLst>
-    <p:notesMasterId r:id="rId22"/>
+    <p:notesMasterId r:id="rId27"/>
   </p:notesMasterIdLst>
   <p:sldIdLst>
     <p:sldId id="282" r:id="rId2"/>
@@ -27,7 +27,12 @@
     <p:sldId id="293" r:id="rId18"/>
     <p:sldId id="294" r:id="rId19"/>
     <p:sldId id="295" r:id="rId20"/>
-    <p:sldId id="280" r:id="rId21"/>
+    <p:sldId id="300" r:id="rId21"/>
+    <p:sldId id="301" r:id="rId22"/>
+    <p:sldId id="302" r:id="rId23"/>
+    <p:sldId id="303" r:id="rId24"/>
+    <p:sldId id="304" r:id="rId25"/>
+    <p:sldId id="280" r:id="rId26"/>
   </p:sldIdLst>
   <p:sldSz cx="12192000" cy="6858000"/>
   <p:notesSz cx="6858000" cy="9144000"/>
@@ -8112,7 +8117,7 @@
           <a:p>
             <a:fld id="{910E2A9F-8E2F-462C-B138-DF2C44970D69}" type="datetimeFigureOut">
               <a:rPr lang="en-US" smtClean="0"/>
-              <a:t>9/1/2017</a:t>
+              <a:t>10/18/2017</a:t>
             </a:fld>
             <a:endParaRPr lang="en-US"/>
           </a:p>
@@ -8462,7 +8467,7 @@
                 </a:solidFill>
               </a:rPr>
               <a:pPr/>
-              <a:t>20</a:t>
+              <a:t>25</a:t>
             </a:fld>
             <a:endParaRPr lang="en-US">
               <a:solidFill>
@@ -8625,7 +8630,7 @@
           <a:p>
             <a:fld id="{0CF71232-61E6-4BA9-A48E-62C7AF84435A}" type="datetime1">
               <a:rPr lang="en-US" altLang="ko-KR" smtClean="0"/>
-              <a:t>9/1/2017</a:t>
+              <a:t>10/18/2017</a:t>
             </a:fld>
             <a:endParaRPr lang="en-US"/>
           </a:p>
@@ -8827,7 +8832,7 @@
           <a:p>
             <a:fld id="{4166CE27-66E0-4426-B92E-B2C544FE2B34}" type="datetime1">
               <a:rPr lang="en-US" altLang="ko-KR" smtClean="0"/>
-              <a:t>9/1/2017</a:t>
+              <a:t>10/18/2017</a:t>
             </a:fld>
             <a:endParaRPr lang="en-US"/>
           </a:p>
@@ -9013,7 +9018,7 @@
           <a:p>
             <a:fld id="{8B597CAB-2D65-40F9-B214-410BC78DC663}" type="datetime1">
               <a:rPr lang="en-US" altLang="ko-KR" smtClean="0"/>
-              <a:t>9/1/2017</a:t>
+              <a:t>10/18/2017</a:t>
             </a:fld>
             <a:endParaRPr lang="en-US"/>
           </a:p>
@@ -9188,7 +9193,7 @@
           <a:p>
             <a:fld id="{F2CD887F-C582-4F8A-ADF4-F06E14074D98}" type="datetime1">
               <a:rPr lang="en-US" altLang="ko-KR" smtClean="0"/>
-              <a:t>9/1/2017</a:t>
+              <a:t>10/18/2017</a:t>
             </a:fld>
             <a:endParaRPr lang="en-US"/>
           </a:p>
@@ -9381,7 +9386,7 @@
           <a:p>
             <a:fld id="{951794B8-D606-4D6C-A042-5D76B1F2E3BC}" type="datetime1">
               <a:rPr lang="en-US" altLang="ko-KR" smtClean="0"/>
-              <a:t>9/1/2017</a:t>
+              <a:t>10/18/2017</a:t>
             </a:fld>
             <a:endParaRPr lang="en-US"/>
           </a:p>
@@ -9634,7 +9639,7 @@
           <a:p>
             <a:fld id="{A46A71E9-EA9B-4E2E-BBE1-7CC6F9E744DA}" type="datetime1">
               <a:rPr lang="en-US" altLang="ko-KR" smtClean="0"/>
-              <a:t>9/1/2017</a:t>
+              <a:t>10/18/2017</a:t>
             </a:fld>
             <a:endParaRPr lang="en-US"/>
           </a:p>
@@ -9871,7 +9876,7 @@
           <a:p>
             <a:fld id="{AB260BD6-86D0-44A7-A0A0-2C2E90639EC7}" type="datetime1">
               <a:rPr lang="en-US" altLang="ko-KR" smtClean="0"/>
-              <a:t>9/1/2017</a:t>
+              <a:t>10/18/2017</a:t>
             </a:fld>
             <a:endParaRPr lang="en-US"/>
           </a:p>
@@ -10243,7 +10248,7 @@
           <a:p>
             <a:fld id="{0BFE3EC5-CCE6-4BB5-9DBF-91A2089594E9}" type="datetime1">
               <a:rPr lang="en-US" altLang="ko-KR" smtClean="0"/>
-              <a:t>9/1/2017</a:t>
+              <a:t>10/18/2017</a:t>
             </a:fld>
             <a:endParaRPr lang="en-US"/>
           </a:p>
@@ -10368,7 +10373,7 @@
           <a:p>
             <a:fld id="{B4C08A12-CA0C-4F3E-96F4-B3C9A0EA2225}" type="datetime1">
               <a:rPr lang="en-US" altLang="ko-KR" smtClean="0"/>
-              <a:t>9/1/2017</a:t>
+              <a:t>10/18/2017</a:t>
             </a:fld>
             <a:endParaRPr lang="en-US"/>
           </a:p>
@@ -10471,7 +10476,7 @@
           <a:p>
             <a:fld id="{5CE3AB97-ABFA-4060-B73C-F1936376DFF4}" type="datetime1">
               <a:rPr lang="en-US" altLang="ko-KR" smtClean="0"/>
-              <a:t>9/1/2017</a:t>
+              <a:t>10/18/2017</a:t>
             </a:fld>
             <a:endParaRPr lang="en-US"/>
           </a:p>
@@ -10754,7 +10759,7 @@
           <a:p>
             <a:fld id="{4905C8E4-609C-4D26-B69A-3CF5014502F1}" type="datetime1">
               <a:rPr lang="en-US" altLang="ko-KR" smtClean="0"/>
-              <a:t>9/1/2017</a:t>
+              <a:t>10/18/2017</a:t>
             </a:fld>
             <a:endParaRPr lang="en-US"/>
           </a:p>
@@ -11014,7 +11019,7 @@
           <a:p>
             <a:fld id="{44A9A6DA-B37A-4E8F-A6A3-CD623F30CCFE}" type="datetime1">
               <a:rPr lang="en-US" altLang="ko-KR" smtClean="0"/>
-              <a:t>9/1/2017</a:t>
+              <a:t>10/18/2017</a:t>
             </a:fld>
             <a:endParaRPr lang="en-US"/>
           </a:p>
@@ -12374,7 +12379,7 @@
         </p:nvCxnSpPr>
         <p:spPr>
           <a:xfrm>
-            <a:off x="7672456" y="3816154"/>
+            <a:off x="7672456" y="3807765"/>
             <a:ext cx="3811980" cy="0"/>
           </a:xfrm>
           <a:prstGeom prst="line">
@@ -12507,7 +12512,7 @@
         </p:nvSpPr>
         <p:spPr>
           <a:xfrm>
-            <a:off x="7672456" y="3429000"/>
+            <a:off x="7672456" y="3420611"/>
             <a:ext cx="3001223" cy="369332"/>
           </a:xfrm>
           <a:prstGeom prst="rect">
@@ -12558,7 +12563,7 @@
         </p:nvSpPr>
         <p:spPr>
           <a:xfrm>
-            <a:off x="7690166" y="4285721"/>
+            <a:off x="7690166" y="4277332"/>
             <a:ext cx="3001223" cy="369332"/>
           </a:xfrm>
           <a:prstGeom prst="rect">
@@ -12586,6 +12591,98 @@
                 </a:solidFill>
               </a:rPr>
               <a:t>를 이용한 웹 사이트</a:t>
+            </a:r>
+            <a:endParaRPr lang="en-US" dirty="0">
+              <a:solidFill>
+                <a:schemeClr val="bg1"/>
+              </a:solidFill>
+            </a:endParaRPr>
+          </a:p>
+        </p:txBody>
+      </p:sp>
+      <p:cxnSp>
+        <p:nvCxnSpPr>
+          <p:cNvPr id="20" name="Straight Connector 183">
+            <a:extLst>
+              <a:ext uri="{FF2B5EF4-FFF2-40B4-BE49-F238E27FC236}">
+                <a16:creationId xmlns:a16="http://schemas.microsoft.com/office/drawing/2014/main" id="{0AD7E06A-B283-4EC0-BFAA-19E079A27113}"/>
+              </a:ext>
+            </a:extLst>
+          </p:cNvPr>
+          <p:cNvCxnSpPr/>
+          <p:nvPr/>
+        </p:nvCxnSpPr>
+        <p:spPr>
+          <a:xfrm>
+            <a:off x="7672456" y="5477065"/>
+            <a:ext cx="3811980" cy="0"/>
+          </a:xfrm>
+          <a:prstGeom prst="line">
+            <a:avLst/>
+          </a:prstGeom>
+          <a:ln>
+            <a:solidFill>
+              <a:schemeClr val="tx2"/>
+            </a:solidFill>
+          </a:ln>
+        </p:spPr>
+        <p:style>
+          <a:lnRef idx="1">
+            <a:schemeClr val="accent1"/>
+          </a:lnRef>
+          <a:fillRef idx="0">
+            <a:schemeClr val="accent1"/>
+          </a:fillRef>
+          <a:effectRef idx="0">
+            <a:schemeClr val="accent1"/>
+          </a:effectRef>
+          <a:fontRef idx="minor">
+            <a:schemeClr val="tx1"/>
+          </a:fontRef>
+        </p:style>
+      </p:cxnSp>
+      <p:sp>
+        <p:nvSpPr>
+          <p:cNvPr id="21" name="Rectangle 185">
+            <a:extLst>
+              <a:ext uri="{FF2B5EF4-FFF2-40B4-BE49-F238E27FC236}">
+                <a16:creationId xmlns:a16="http://schemas.microsoft.com/office/drawing/2014/main" id="{ABB5800C-ACF6-4AF5-863B-954B64C78D88}"/>
+              </a:ext>
+            </a:extLst>
+          </p:cNvPr>
+          <p:cNvSpPr/>
+          <p:nvPr/>
+        </p:nvSpPr>
+        <p:spPr>
+          <a:xfrm>
+            <a:off x="7690166" y="5099584"/>
+            <a:ext cx="3869863" cy="369332"/>
+          </a:xfrm>
+          <a:prstGeom prst="rect">
+            <a:avLst/>
+          </a:prstGeom>
+        </p:spPr>
+        <p:txBody>
+          <a:bodyPr wrap="square">
+            <a:spAutoFit/>
+          </a:bodyPr>
+          <a:lstStyle/>
+          <a:p>
+            <a:r>
+              <a:rPr lang="en-US" altLang="ko-KR" dirty="0">
+                <a:solidFill>
+                  <a:schemeClr val="bg1"/>
+                </a:solidFill>
+              </a:rPr>
+              <a:t>ML</a:t>
+            </a:r>
+            <a:r>
+              <a:rPr lang="ko-KR" altLang="en-US" dirty="0">
+                <a:solidFill>
+                  <a:schemeClr val="bg1"/>
+                </a:solidFill>
+              </a:rPr>
+              <a:t>을 이용한 가상화폐 시장 예측</a:t>
             </a:r>
             <a:endParaRPr lang="en-US" dirty="0">
               <a:solidFill>
@@ -17231,12 +17328,8 @@
           <a:lstStyle/>
           <a:p>
             <a:r>
-              <a:rPr lang="en-US" dirty="0" err="1"/>
-              <a:t>Fiding</a:t>
-            </a:r>
-            <a:r>
               <a:rPr lang="en-US" dirty="0"/>
-              <a:t> the rabbit</a:t>
+              <a:t>Django Web site</a:t>
             </a:r>
           </a:p>
         </p:txBody>
@@ -17269,7 +17362,7 @@
           <a:p>
             <a:r>
               <a:rPr lang="en-US" dirty="0"/>
-              <a:t>6</a:t>
+              <a:t>12</a:t>
             </a:r>
           </a:p>
         </p:txBody>
@@ -18488,7 +18581,7 @@
           <a:p>
             <a:r>
               <a:rPr lang="en-US" dirty="0"/>
-              <a:t>10</a:t>
+              <a:t>13</a:t>
             </a:r>
           </a:p>
         </p:txBody>
@@ -19071,7 +19164,7 @@
           <a:p>
             <a:r>
               <a:rPr lang="en-US" dirty="0"/>
-              <a:t>11</a:t>
+              <a:t>14</a:t>
             </a:r>
           </a:p>
         </p:txBody>
@@ -19854,7 +19947,7 @@
           <a:p>
             <a:r>
               <a:rPr lang="en-US" dirty="0"/>
-              <a:t>12</a:t>
+              <a:t>15</a:t>
             </a:r>
           </a:p>
         </p:txBody>
@@ -20435,7 +20528,7 @@
           <a:p>
             <a:r>
               <a:rPr lang="en-US" dirty="0"/>
-              <a:t>13</a:t>
+              <a:t>16</a:t>
             </a:r>
           </a:p>
         </p:txBody>
@@ -20948,7 +21041,7 @@
           <a:p>
             <a:r>
               <a:rPr lang="en-US" dirty="0"/>
-              <a:t>14</a:t>
+              <a:t>17</a:t>
             </a:r>
           </a:p>
         </p:txBody>
@@ -21030,7 +21123,7 @@
         </p:nvGrpSpPr>
         <p:grpSpPr>
           <a:xfrm>
-            <a:off x="3353882" y="1706391"/>
+            <a:off x="3353882" y="1345664"/>
             <a:ext cx="7107189" cy="1121796"/>
             <a:chOff x="4113734" y="1462930"/>
             <a:chExt cx="7109040" cy="1122088"/>
@@ -21230,7 +21323,7 @@
         </p:nvGrpSpPr>
         <p:grpSpPr>
           <a:xfrm>
-            <a:off x="4475678" y="2949298"/>
+            <a:off x="4475678" y="2521459"/>
             <a:ext cx="7033000" cy="1129014"/>
             <a:chOff x="4878898" y="3243971"/>
             <a:chExt cx="7033000" cy="1129014"/>
@@ -21426,7 +21519,7 @@
         </p:nvGrpSpPr>
         <p:grpSpPr>
           <a:xfrm>
-            <a:off x="3489321" y="4233034"/>
+            <a:off x="3489321" y="3771639"/>
             <a:ext cx="7032998" cy="1125634"/>
             <a:chOff x="4097345" y="5014193"/>
             <a:chExt cx="7032998" cy="1125634"/>
@@ -21650,31 +21743,3079 @@
           </a:p>
         </p:txBody>
       </p:sp>
-      <p:cxnSp>
-        <p:nvCxnSpPr>
-          <p:cNvPr id="11" name="직선 연결선 10">
+      <p:grpSp>
+        <p:nvGrpSpPr>
+          <p:cNvPr id="4" name="그룹 3">
             <a:extLst>
               <a:ext uri="{FF2B5EF4-FFF2-40B4-BE49-F238E27FC236}">
-                <a16:creationId xmlns:a16="http://schemas.microsoft.com/office/drawing/2014/main" id="{B4ACF194-90EA-4481-BCD5-8951B86D0E58}"/>
+                <a16:creationId xmlns:a16="http://schemas.microsoft.com/office/drawing/2014/main" id="{67B706B2-433A-4733-A1BC-6DFB286AC0CA}"/>
               </a:ext>
             </a:extLst>
           </p:cNvPr>
-          <p:cNvCxnSpPr/>
+          <p:cNvGrpSpPr/>
+          <p:nvPr/>
+        </p:nvGrpSpPr>
+        <p:grpSpPr>
+          <a:xfrm>
+            <a:off x="6887970" y="1690742"/>
+            <a:ext cx="3457461" cy="461665"/>
+            <a:chOff x="6937695" y="2042980"/>
+            <a:chExt cx="3457461" cy="461665"/>
+          </a:xfrm>
+        </p:grpSpPr>
+        <p:cxnSp>
+          <p:nvCxnSpPr>
+            <p:cNvPr id="11" name="직선 연결선 10">
+              <a:extLst>
+                <a:ext uri="{FF2B5EF4-FFF2-40B4-BE49-F238E27FC236}">
+                  <a16:creationId xmlns:a16="http://schemas.microsoft.com/office/drawing/2014/main" id="{B4ACF194-90EA-4481-BCD5-8951B86D0E58}"/>
+                </a:ext>
+              </a:extLst>
+            </p:cNvPr>
+            <p:cNvCxnSpPr/>
+            <p:nvPr/>
+          </p:nvCxnSpPr>
+          <p:spPr>
+            <a:xfrm>
+              <a:off x="6937695" y="2281806"/>
+              <a:ext cx="2743200" cy="0"/>
+            </a:xfrm>
+            <a:prstGeom prst="line">
+              <a:avLst/>
+            </a:prstGeom>
+            <a:ln w="12700">
+              <a:solidFill>
+                <a:schemeClr val="tx1"/>
+              </a:solidFill>
+              <a:prstDash val="sysDot"/>
+            </a:ln>
+          </p:spPr>
+          <p:style>
+            <a:lnRef idx="1">
+              <a:schemeClr val="accent1"/>
+            </a:lnRef>
+            <a:fillRef idx="0">
+              <a:schemeClr val="accent1"/>
+            </a:fillRef>
+            <a:effectRef idx="0">
+              <a:schemeClr val="accent1"/>
+            </a:effectRef>
+            <a:fontRef idx="minor">
+              <a:schemeClr val="tx1"/>
+            </a:fontRef>
+          </p:style>
+        </p:cxnSp>
+        <p:sp>
+          <p:nvSpPr>
+            <p:cNvPr id="32" name="TextBox 31">
+              <a:extLst>
+                <a:ext uri="{FF2B5EF4-FFF2-40B4-BE49-F238E27FC236}">
+                  <a16:creationId xmlns:a16="http://schemas.microsoft.com/office/drawing/2014/main" id="{5EEAFD4E-3488-403D-BC87-10D5FAF3F127}"/>
+                </a:ext>
+              </a:extLst>
+            </p:cNvPr>
+            <p:cNvSpPr txBox="1"/>
+            <p:nvPr/>
+          </p:nvSpPr>
+          <p:spPr>
+            <a:xfrm>
+              <a:off x="9813493" y="2042980"/>
+              <a:ext cx="581663" cy="461665"/>
+            </a:xfrm>
+            <a:prstGeom prst="rect">
+              <a:avLst/>
+            </a:prstGeom>
+            <a:noFill/>
+          </p:spPr>
+          <p:txBody>
+            <a:bodyPr wrap="square" rtlCol="0">
+              <a:spAutoFit/>
+            </a:bodyPr>
+            <a:lstStyle/>
+            <a:p>
+              <a:r>
+                <a:rPr lang="en-US" altLang="ko-KR" sz="2400" dirty="0">
+                  <a:solidFill>
+                    <a:schemeClr val="tx1">
+                      <a:lumMod val="65000"/>
+                      <a:lumOff val="35000"/>
+                    </a:schemeClr>
+                  </a:solidFill>
+                </a:rPr>
+                <a:t>1</a:t>
+              </a:r>
+              <a:endParaRPr lang="ko-KR" altLang="en-US" sz="2400" dirty="0">
+                <a:solidFill>
+                  <a:schemeClr val="tx1">
+                    <a:lumMod val="65000"/>
+                    <a:lumOff val="35000"/>
+                  </a:schemeClr>
+                </a:solidFill>
+              </a:endParaRPr>
+            </a:p>
+          </p:txBody>
+        </p:sp>
+      </p:grpSp>
+      <p:grpSp>
+        <p:nvGrpSpPr>
+          <p:cNvPr id="3" name="그룹 2">
+            <a:extLst>
+              <a:ext uri="{FF2B5EF4-FFF2-40B4-BE49-F238E27FC236}">
+                <a16:creationId xmlns:a16="http://schemas.microsoft.com/office/drawing/2014/main" id="{EC7401E4-FB03-4186-939B-22C74FE6E1EE}"/>
+              </a:ext>
+            </a:extLst>
+          </p:cNvPr>
+          <p:cNvGrpSpPr/>
+          <p:nvPr/>
+        </p:nvGrpSpPr>
+        <p:grpSpPr>
+          <a:xfrm>
+            <a:off x="8424922" y="2896536"/>
+            <a:ext cx="3457461" cy="461665"/>
+            <a:chOff x="8441893" y="3358511"/>
+            <a:chExt cx="3457461" cy="461665"/>
+          </a:xfrm>
+        </p:grpSpPr>
+        <p:cxnSp>
+          <p:nvCxnSpPr>
+            <p:cNvPr id="33" name="직선 연결선 32">
+              <a:extLst>
+                <a:ext uri="{FF2B5EF4-FFF2-40B4-BE49-F238E27FC236}">
+                  <a16:creationId xmlns:a16="http://schemas.microsoft.com/office/drawing/2014/main" id="{7A017FA3-90F2-49B6-8D60-F632F82842C7}"/>
+                </a:ext>
+              </a:extLst>
+            </p:cNvPr>
+            <p:cNvCxnSpPr/>
+            <p:nvPr/>
+          </p:nvCxnSpPr>
+          <p:spPr>
+            <a:xfrm>
+              <a:off x="8441893" y="3588948"/>
+              <a:ext cx="2743200" cy="0"/>
+            </a:xfrm>
+            <a:prstGeom prst="line">
+              <a:avLst/>
+            </a:prstGeom>
+            <a:ln w="12700">
+              <a:solidFill>
+                <a:schemeClr val="tx1"/>
+              </a:solidFill>
+              <a:prstDash val="sysDot"/>
+            </a:ln>
+          </p:spPr>
+          <p:style>
+            <a:lnRef idx="1">
+              <a:schemeClr val="accent1"/>
+            </a:lnRef>
+            <a:fillRef idx="0">
+              <a:schemeClr val="accent1"/>
+            </a:fillRef>
+            <a:effectRef idx="0">
+              <a:schemeClr val="accent1"/>
+            </a:effectRef>
+            <a:fontRef idx="minor">
+              <a:schemeClr val="tx1"/>
+            </a:fontRef>
+          </p:style>
+        </p:cxnSp>
+        <p:sp>
+          <p:nvSpPr>
+            <p:cNvPr id="34" name="TextBox 33">
+              <a:extLst>
+                <a:ext uri="{FF2B5EF4-FFF2-40B4-BE49-F238E27FC236}">
+                  <a16:creationId xmlns:a16="http://schemas.microsoft.com/office/drawing/2014/main" id="{16021B8E-76DA-4490-8A19-7E4BFE9061D3}"/>
+                </a:ext>
+              </a:extLst>
+            </p:cNvPr>
+            <p:cNvSpPr txBox="1"/>
+            <p:nvPr/>
+          </p:nvSpPr>
+          <p:spPr>
+            <a:xfrm>
+              <a:off x="11317691" y="3358511"/>
+              <a:ext cx="581663" cy="461665"/>
+            </a:xfrm>
+            <a:prstGeom prst="rect">
+              <a:avLst/>
+            </a:prstGeom>
+            <a:noFill/>
+          </p:spPr>
+          <p:txBody>
+            <a:bodyPr wrap="square" rtlCol="0">
+              <a:spAutoFit/>
+            </a:bodyPr>
+            <a:lstStyle/>
+            <a:p>
+              <a:r>
+                <a:rPr lang="en-US" altLang="ko-KR" sz="2400" dirty="0"/>
+                <a:t>6</a:t>
+              </a:r>
+              <a:endParaRPr lang="ko-KR" altLang="en-US" sz="2400" dirty="0"/>
+            </a:p>
+          </p:txBody>
+        </p:sp>
+      </p:grpSp>
+      <p:grpSp>
+        <p:nvGrpSpPr>
+          <p:cNvPr id="2" name="그룹 1">
+            <a:extLst>
+              <a:ext uri="{FF2B5EF4-FFF2-40B4-BE49-F238E27FC236}">
+                <a16:creationId xmlns:a16="http://schemas.microsoft.com/office/drawing/2014/main" id="{7BDDDDAF-BDFB-4AFA-A041-BC853663F696}"/>
+              </a:ext>
+            </a:extLst>
+          </p:cNvPr>
+          <p:cNvGrpSpPr/>
+          <p:nvPr/>
+        </p:nvGrpSpPr>
+        <p:grpSpPr>
+          <a:xfrm>
+            <a:off x="7178802" y="4147910"/>
+            <a:ext cx="3457461" cy="461665"/>
+            <a:chOff x="7274517" y="4606438"/>
+            <a:chExt cx="3457461" cy="461665"/>
+          </a:xfrm>
+        </p:grpSpPr>
+        <p:cxnSp>
+          <p:nvCxnSpPr>
+            <p:cNvPr id="35" name="직선 연결선 34">
+              <a:extLst>
+                <a:ext uri="{FF2B5EF4-FFF2-40B4-BE49-F238E27FC236}">
+                  <a16:creationId xmlns:a16="http://schemas.microsoft.com/office/drawing/2014/main" id="{5FA9A304-B05E-4A7C-924F-0E82DBB2AAEA}"/>
+                </a:ext>
+              </a:extLst>
+            </p:cNvPr>
+            <p:cNvCxnSpPr/>
+            <p:nvPr/>
+          </p:nvCxnSpPr>
+          <p:spPr>
+            <a:xfrm>
+              <a:off x="7274517" y="4836875"/>
+              <a:ext cx="2743200" cy="0"/>
+            </a:xfrm>
+            <a:prstGeom prst="line">
+              <a:avLst/>
+            </a:prstGeom>
+            <a:ln w="12700">
+              <a:solidFill>
+                <a:schemeClr val="tx1"/>
+              </a:solidFill>
+              <a:prstDash val="sysDot"/>
+            </a:ln>
+          </p:spPr>
+          <p:style>
+            <a:lnRef idx="1">
+              <a:schemeClr val="accent1"/>
+            </a:lnRef>
+            <a:fillRef idx="0">
+              <a:schemeClr val="accent1"/>
+            </a:fillRef>
+            <a:effectRef idx="0">
+              <a:schemeClr val="accent1"/>
+            </a:effectRef>
+            <a:fontRef idx="minor">
+              <a:schemeClr val="tx1"/>
+            </a:fontRef>
+          </p:style>
+        </p:cxnSp>
+        <p:sp>
+          <p:nvSpPr>
+            <p:cNvPr id="36" name="TextBox 35">
+              <a:extLst>
+                <a:ext uri="{FF2B5EF4-FFF2-40B4-BE49-F238E27FC236}">
+                  <a16:creationId xmlns:a16="http://schemas.microsoft.com/office/drawing/2014/main" id="{6036A2FB-4871-4C0E-946F-4CE680C6CD02}"/>
+                </a:ext>
+              </a:extLst>
+            </p:cNvPr>
+            <p:cNvSpPr txBox="1"/>
+            <p:nvPr/>
+          </p:nvSpPr>
+          <p:spPr>
+            <a:xfrm>
+              <a:off x="10150315" y="4606438"/>
+              <a:ext cx="581663" cy="461665"/>
+            </a:xfrm>
+            <a:prstGeom prst="rect">
+              <a:avLst/>
+            </a:prstGeom>
+            <a:noFill/>
+          </p:spPr>
+          <p:txBody>
+            <a:bodyPr wrap="square" rtlCol="0">
+              <a:spAutoFit/>
+            </a:bodyPr>
+            <a:lstStyle/>
+            <a:p>
+              <a:r>
+                <a:rPr lang="en-US" altLang="ko-KR" sz="2400" dirty="0"/>
+                <a:t>12</a:t>
+              </a:r>
+              <a:endParaRPr lang="ko-KR" altLang="en-US" sz="2400" dirty="0"/>
+            </a:p>
+          </p:txBody>
+        </p:sp>
+      </p:grpSp>
+      <p:grpSp>
+        <p:nvGrpSpPr>
+          <p:cNvPr id="23" name="Group 6">
+            <a:extLst>
+              <a:ext uri="{FF2B5EF4-FFF2-40B4-BE49-F238E27FC236}">
+                <a16:creationId xmlns:a16="http://schemas.microsoft.com/office/drawing/2014/main" id="{3399C82D-A39B-4F64-B391-1E09AB74D2D9}"/>
+              </a:ext>
+            </a:extLst>
+          </p:cNvPr>
+          <p:cNvGrpSpPr/>
+          <p:nvPr/>
+        </p:nvGrpSpPr>
+        <p:grpSpPr>
+          <a:xfrm>
+            <a:off x="3901780" y="5014609"/>
+            <a:ext cx="7032998" cy="1125634"/>
+            <a:chOff x="4097345" y="5014193"/>
+            <a:chExt cx="7032998" cy="1125634"/>
+          </a:xfrm>
+        </p:grpSpPr>
+        <p:sp>
+          <p:nvSpPr>
+            <p:cNvPr id="37" name="Rectangle 111">
+              <a:extLst>
+                <a:ext uri="{FF2B5EF4-FFF2-40B4-BE49-F238E27FC236}">
+                  <a16:creationId xmlns:a16="http://schemas.microsoft.com/office/drawing/2014/main" id="{3E7D01BA-3557-4AA8-8C26-D6F1FC3E9749}"/>
+                </a:ext>
+              </a:extLst>
+            </p:cNvPr>
+            <p:cNvSpPr/>
+            <p:nvPr/>
+          </p:nvSpPr>
+          <p:spPr>
+            <a:xfrm>
+              <a:off x="4666071" y="5035626"/>
+              <a:ext cx="6464272" cy="1104201"/>
+            </a:xfrm>
+            <a:prstGeom prst="rect">
+              <a:avLst/>
+            </a:prstGeom>
+            <a:gradFill>
+              <a:gsLst>
+                <a:gs pos="37000">
+                  <a:schemeClr val="bg1">
+                    <a:lumMod val="75000"/>
+                    <a:alpha val="31000"/>
+                  </a:schemeClr>
+                </a:gs>
+                <a:gs pos="5000">
+                  <a:schemeClr val="bg1">
+                    <a:lumMod val="75000"/>
+                  </a:schemeClr>
+                </a:gs>
+                <a:gs pos="100000">
+                  <a:schemeClr val="bg1">
+                    <a:alpha val="0"/>
+                  </a:schemeClr>
+                </a:gs>
+              </a:gsLst>
+              <a:lin ang="2700000" scaled="0"/>
+            </a:gradFill>
+            <a:ln>
+              <a:noFill/>
+            </a:ln>
+          </p:spPr>
+          <p:style>
+            <a:lnRef idx="2">
+              <a:schemeClr val="accent1">
+                <a:shade val="50000"/>
+              </a:schemeClr>
+            </a:lnRef>
+            <a:fillRef idx="1">
+              <a:schemeClr val="accent1"/>
+            </a:fillRef>
+            <a:effectRef idx="0">
+              <a:schemeClr val="accent1"/>
+            </a:effectRef>
+            <a:fontRef idx="minor">
+              <a:schemeClr val="lt1"/>
+            </a:fontRef>
+          </p:style>
+          <p:txBody>
+            <a:bodyPr rtlCol="0" anchor="ctr"/>
+            <a:lstStyle/>
+            <a:p>
+              <a:pPr algn="ctr"/>
+              <a:endParaRPr lang="en-US" sz="2399"/>
+            </a:p>
+          </p:txBody>
+        </p:sp>
+        <p:sp>
+          <p:nvSpPr>
+            <p:cNvPr id="38" name="TextBox 37">
+              <a:extLst>
+                <a:ext uri="{FF2B5EF4-FFF2-40B4-BE49-F238E27FC236}">
+                  <a16:creationId xmlns:a16="http://schemas.microsoft.com/office/drawing/2014/main" id="{F1E759EE-5905-435D-BF4A-9B10474DF0C3}"/>
+                </a:ext>
+              </a:extLst>
+            </p:cNvPr>
+            <p:cNvSpPr txBox="1"/>
+            <p:nvPr/>
+          </p:nvSpPr>
+          <p:spPr>
+            <a:xfrm>
+              <a:off x="5592845" y="5373806"/>
+              <a:ext cx="5277737" cy="461545"/>
+            </a:xfrm>
+            <a:prstGeom prst="rect">
+              <a:avLst/>
+            </a:prstGeom>
+            <a:noFill/>
+          </p:spPr>
+          <p:txBody>
+            <a:bodyPr wrap="square" rtlCol="0" anchor="ctr">
+              <a:spAutoFit/>
+            </a:bodyPr>
+            <a:lstStyle/>
+            <a:p>
+              <a:r>
+                <a:rPr lang="en-US" sz="2399" dirty="0"/>
+                <a:t>Machine Learning</a:t>
+              </a:r>
+            </a:p>
+          </p:txBody>
+        </p:sp>
+        <p:sp>
+          <p:nvSpPr>
+            <p:cNvPr id="39" name="Oval 113">
+              <a:extLst>
+                <a:ext uri="{FF2B5EF4-FFF2-40B4-BE49-F238E27FC236}">
+                  <a16:creationId xmlns:a16="http://schemas.microsoft.com/office/drawing/2014/main" id="{F3101DF0-037A-44E5-B84F-7F2876120F11}"/>
+                </a:ext>
+              </a:extLst>
+            </p:cNvPr>
+            <p:cNvSpPr>
+              <a:spLocks noChangeAspect="1"/>
+            </p:cNvSpPr>
+            <p:nvPr/>
+          </p:nvSpPr>
+          <p:spPr>
+            <a:xfrm>
+              <a:off x="4097345" y="5014193"/>
+              <a:ext cx="1121795" cy="1121795"/>
+            </a:xfrm>
+            <a:prstGeom prst="ellipse">
+              <a:avLst/>
+            </a:prstGeom>
+            <a:gradFill flip="none" rotWithShape="1">
+              <a:gsLst>
+                <a:gs pos="0">
+                  <a:schemeClr val="accent1">
+                    <a:lumMod val="50000"/>
+                  </a:schemeClr>
+                </a:gs>
+                <a:gs pos="50000">
+                  <a:schemeClr val="accent1">
+                    <a:lumMod val="75000"/>
+                  </a:schemeClr>
+                </a:gs>
+                <a:gs pos="100000">
+                  <a:schemeClr val="accent1"/>
+                </a:gs>
+              </a:gsLst>
+              <a:lin ang="18900000" scaled="1"/>
+              <a:tileRect/>
+            </a:gradFill>
+            <a:ln w="0">
+              <a:noFill/>
+              <a:prstDash val="solid"/>
+              <a:round/>
+              <a:headEnd/>
+              <a:tailEnd/>
+            </a:ln>
+          </p:spPr>
+          <p:txBody>
+            <a:bodyPr vert="horz" wrap="square" lIns="71981" tIns="91416" rIns="71981" bIns="91416" numCol="1" anchor="ctr" anchorCtr="1" compatLnSpc="1">
+              <a:prstTxWarp prst="textNoShape">
+                <a:avLst/>
+              </a:prstTxWarp>
+            </a:bodyPr>
+            <a:lstStyle/>
+            <a:p>
+              <a:r>
+                <a:rPr lang="en-US" sz="4399" kern="0" dirty="0">
+                  <a:solidFill>
+                    <a:schemeClr val="bg1"/>
+                  </a:solidFill>
+                  <a:latin typeface="Arial" pitchFamily="34" charset="0"/>
+                  <a:cs typeface="Arial" pitchFamily="34" charset="0"/>
+                </a:rPr>
+                <a:t>4</a:t>
+              </a:r>
+            </a:p>
+          </p:txBody>
+        </p:sp>
+      </p:grpSp>
+      <p:grpSp>
+        <p:nvGrpSpPr>
+          <p:cNvPr id="40" name="그룹 39">
+            <a:extLst>
+              <a:ext uri="{FF2B5EF4-FFF2-40B4-BE49-F238E27FC236}">
+                <a16:creationId xmlns:a16="http://schemas.microsoft.com/office/drawing/2014/main" id="{B80CB0CE-1269-486E-8678-C3254C5F3D0B}"/>
+              </a:ext>
+            </a:extLst>
+          </p:cNvPr>
+          <p:cNvGrpSpPr/>
+          <p:nvPr/>
+        </p:nvGrpSpPr>
+        <p:grpSpPr>
+          <a:xfrm>
+            <a:off x="7880461" y="5399269"/>
+            <a:ext cx="3457461" cy="461665"/>
+            <a:chOff x="7274517" y="4606438"/>
+            <a:chExt cx="3457461" cy="461665"/>
+          </a:xfrm>
+        </p:grpSpPr>
+        <p:cxnSp>
+          <p:nvCxnSpPr>
+            <p:cNvPr id="41" name="직선 연결선 40">
+              <a:extLst>
+                <a:ext uri="{FF2B5EF4-FFF2-40B4-BE49-F238E27FC236}">
+                  <a16:creationId xmlns:a16="http://schemas.microsoft.com/office/drawing/2014/main" id="{C5BF8A62-78A1-4800-8FD1-A3DF00B8F244}"/>
+                </a:ext>
+              </a:extLst>
+            </p:cNvPr>
+            <p:cNvCxnSpPr/>
+            <p:nvPr/>
+          </p:nvCxnSpPr>
+          <p:spPr>
+            <a:xfrm>
+              <a:off x="7274517" y="4836875"/>
+              <a:ext cx="2743200" cy="0"/>
+            </a:xfrm>
+            <a:prstGeom prst="line">
+              <a:avLst/>
+            </a:prstGeom>
+            <a:ln w="12700">
+              <a:solidFill>
+                <a:schemeClr val="tx1"/>
+              </a:solidFill>
+              <a:prstDash val="sysDot"/>
+            </a:ln>
+          </p:spPr>
+          <p:style>
+            <a:lnRef idx="1">
+              <a:schemeClr val="accent1"/>
+            </a:lnRef>
+            <a:fillRef idx="0">
+              <a:schemeClr val="accent1"/>
+            </a:fillRef>
+            <a:effectRef idx="0">
+              <a:schemeClr val="accent1"/>
+            </a:effectRef>
+            <a:fontRef idx="minor">
+              <a:schemeClr val="tx1"/>
+            </a:fontRef>
+          </p:style>
+        </p:cxnSp>
+        <p:sp>
+          <p:nvSpPr>
+            <p:cNvPr id="42" name="TextBox 41">
+              <a:extLst>
+                <a:ext uri="{FF2B5EF4-FFF2-40B4-BE49-F238E27FC236}">
+                  <a16:creationId xmlns:a16="http://schemas.microsoft.com/office/drawing/2014/main" id="{44A40478-D674-4294-B855-4DACBACD6C69}"/>
+                </a:ext>
+              </a:extLst>
+            </p:cNvPr>
+            <p:cNvSpPr txBox="1"/>
+            <p:nvPr/>
+          </p:nvSpPr>
+          <p:spPr>
+            <a:xfrm>
+              <a:off x="10150315" y="4606438"/>
+              <a:ext cx="581663" cy="461665"/>
+            </a:xfrm>
+            <a:prstGeom prst="rect">
+              <a:avLst/>
+            </a:prstGeom>
+            <a:noFill/>
+          </p:spPr>
+          <p:txBody>
+            <a:bodyPr wrap="square" rtlCol="0">
+              <a:spAutoFit/>
+            </a:bodyPr>
+            <a:lstStyle/>
+            <a:p>
+              <a:r>
+                <a:rPr lang="en-US" altLang="ko-KR" sz="2400" dirty="0"/>
+                <a:t>18</a:t>
+              </a:r>
+              <a:endParaRPr lang="ko-KR" altLang="en-US" sz="2400" dirty="0"/>
+            </a:p>
+          </p:txBody>
+        </p:sp>
+      </p:grpSp>
+    </p:spTree>
+    <p:extLst>
+      <p:ext uri="{BB962C8B-B14F-4D97-AF65-F5344CB8AC3E}">
+        <p14:creationId xmlns:p14="http://schemas.microsoft.com/office/powerpoint/2010/main" val="178339968"/>
+      </p:ext>
+    </p:extLst>
+  </p:cSld>
+  <p:clrMapOvr>
+    <a:masterClrMapping/>
+  </p:clrMapOvr>
+</p:sld>
+</file>
+
+<file path=ppt/slides/slide20.xml><?xml version="1.0" encoding="utf-8"?>
+<p:sld xmlns:a="http://schemas.openxmlformats.org/drawingml/2006/main" xmlns:r="http://schemas.openxmlformats.org/officeDocument/2006/relationships" xmlns:p="http://schemas.openxmlformats.org/presentationml/2006/main">
+  <p:cSld>
+    <p:spTree>
+      <p:nvGrpSpPr>
+        <p:cNvPr id="1" name=""/>
+        <p:cNvGrpSpPr/>
+        <p:nvPr/>
+      </p:nvGrpSpPr>
+      <p:grpSpPr>
+        <a:xfrm>
+          <a:off x="0" y="0"/>
+          <a:ext cx="0" cy="0"/>
+          <a:chOff x="0" y="0"/>
+          <a:chExt cx="0" cy="0"/>
+        </a:xfrm>
+      </p:grpSpPr>
+      <p:sp>
+        <p:nvSpPr>
+          <p:cNvPr id="12" name="TextBox 11"/>
+          <p:cNvSpPr txBox="1"/>
+          <p:nvPr/>
+        </p:nvSpPr>
+        <p:spPr>
+          <a:xfrm>
+            <a:off x="593055" y="435679"/>
+            <a:ext cx="6898314" cy="830997"/>
+          </a:xfrm>
+          <a:prstGeom prst="rect">
+            <a:avLst/>
+          </a:prstGeom>
+          <a:noFill/>
+        </p:spPr>
+        <p:txBody>
+          <a:bodyPr wrap="square" rtlCol="0">
+            <a:spAutoFit/>
+          </a:bodyPr>
+          <a:lstStyle/>
+          <a:p>
+            <a:r>
+              <a:rPr lang="ko-KR" altLang="en-US" sz="4800" spc="-300" dirty="0">
+                <a:solidFill>
+                  <a:schemeClr val="tx1">
+                    <a:lumMod val="65000"/>
+                    <a:lumOff val="35000"/>
+                  </a:schemeClr>
+                </a:solidFill>
+                <a:latin typeface="Arial" panose="020B0604020202020204" pitchFamily="34" charset="0"/>
+                <a:cs typeface="Arial" panose="020B0604020202020204" pitchFamily="34" charset="0"/>
+              </a:rPr>
+              <a:t>가상 화폐 예측 개발 동기</a:t>
+            </a:r>
+            <a:endParaRPr lang="en-US" sz="4800" spc="-300" dirty="0">
+              <a:solidFill>
+                <a:schemeClr val="tx1">
+                  <a:lumMod val="65000"/>
+                  <a:lumOff val="35000"/>
+                </a:schemeClr>
+              </a:solidFill>
+              <a:latin typeface="Arial" panose="020B0604020202020204" pitchFamily="34" charset="0"/>
+              <a:cs typeface="Arial" panose="020B0604020202020204" pitchFamily="34" charset="0"/>
+            </a:endParaRPr>
+          </a:p>
+        </p:txBody>
+      </p:sp>
+      <p:sp>
+        <p:nvSpPr>
+          <p:cNvPr id="9" name="사각형: 둥근 모서리 8">
+            <a:extLst>
+              <a:ext uri="{FF2B5EF4-FFF2-40B4-BE49-F238E27FC236}">
+                <a16:creationId xmlns:a16="http://schemas.microsoft.com/office/drawing/2014/main" id="{CDDBBB67-3ABD-49DC-84FB-70EFCDEBD6FC}"/>
+              </a:ext>
+            </a:extLst>
+          </p:cNvPr>
+          <p:cNvSpPr/>
+          <p:nvPr/>
+        </p:nvSpPr>
+        <p:spPr>
+          <a:xfrm>
+            <a:off x="601444" y="1560353"/>
+            <a:ext cx="10933418" cy="4194495"/>
+          </a:xfrm>
+          <a:prstGeom prst="roundRect">
+            <a:avLst/>
+          </a:prstGeom>
+          <a:effectLst>
+            <a:outerShdw blurRad="57150" dist="19050" dir="5400000" algn="ctr" rotWithShape="0">
+              <a:srgbClr val="000000">
+                <a:alpha val="63000"/>
+              </a:srgbClr>
+            </a:outerShdw>
+            <a:softEdge rad="31750"/>
+          </a:effectLst>
+        </p:spPr>
+        <p:style>
+          <a:lnRef idx="0">
+            <a:schemeClr val="accent1"/>
+          </a:lnRef>
+          <a:fillRef idx="3">
+            <a:schemeClr val="accent1"/>
+          </a:fillRef>
+          <a:effectRef idx="3">
+            <a:schemeClr val="accent1"/>
+          </a:effectRef>
+          <a:fontRef idx="minor">
+            <a:schemeClr val="lt1"/>
+          </a:fontRef>
+        </p:style>
+        <p:txBody>
+          <a:bodyPr rtlCol="0" anchor="ctr"/>
+          <a:lstStyle/>
+          <a:p>
+            <a:pPr marL="285750" indent="-285750">
+              <a:buFont typeface="Arial" panose="020B0604020202020204" pitchFamily="34" charset="0"/>
+              <a:buChar char="•"/>
+            </a:pPr>
+            <a:r>
+              <a:rPr lang="en-US" altLang="ko-KR" dirty="0">
+                <a:solidFill>
+                  <a:schemeClr val="bg2">
+                    <a:lumMod val="25000"/>
+                  </a:schemeClr>
+                </a:solidFill>
+              </a:rPr>
+              <a:t>Machine Learning(ML)</a:t>
+            </a:r>
+            <a:r>
+              <a:rPr lang="ko-KR" altLang="en-US" dirty="0">
+                <a:solidFill>
+                  <a:schemeClr val="bg2">
+                    <a:lumMod val="25000"/>
+                  </a:schemeClr>
+                </a:solidFill>
+              </a:rPr>
+              <a:t>에 흥미를 가지게 되고 그룹 스터디를 통해 같이 공부하면서 적당한 난이도의 프로젝트를 개발하고자 함</a:t>
+            </a:r>
+            <a:endParaRPr lang="en-US" altLang="ko-KR" dirty="0">
+              <a:solidFill>
+                <a:schemeClr val="bg2">
+                  <a:lumMod val="25000"/>
+                </a:schemeClr>
+              </a:solidFill>
+            </a:endParaRPr>
+          </a:p>
+          <a:p>
+            <a:pPr marL="285750" indent="-285750">
+              <a:buFont typeface="Arial" panose="020B0604020202020204" pitchFamily="34" charset="0"/>
+              <a:buChar char="•"/>
+            </a:pPr>
+            <a:endParaRPr lang="en-US" altLang="ko-KR" dirty="0">
+              <a:solidFill>
+                <a:schemeClr val="bg2">
+                  <a:lumMod val="25000"/>
+                </a:schemeClr>
+              </a:solidFill>
+            </a:endParaRPr>
+          </a:p>
+          <a:p>
+            <a:pPr marL="285750" indent="-285750">
+              <a:buFont typeface="Arial" panose="020B0604020202020204" pitchFamily="34" charset="0"/>
+              <a:buChar char="•"/>
+            </a:pPr>
+            <a:r>
+              <a:rPr lang="en-US" altLang="ko-KR" dirty="0">
+                <a:solidFill>
+                  <a:schemeClr val="bg2">
+                    <a:lumMod val="25000"/>
+                  </a:schemeClr>
+                </a:solidFill>
+              </a:rPr>
+              <a:t>Deep Learning </a:t>
+            </a:r>
+            <a:r>
+              <a:rPr lang="ko-KR" altLang="en-US" dirty="0">
+                <a:solidFill>
+                  <a:schemeClr val="bg2">
+                    <a:lumMod val="25000"/>
+                  </a:schemeClr>
+                </a:solidFill>
+              </a:rPr>
+              <a:t>기반 알고리즘 중 </a:t>
+            </a:r>
+            <a:r>
+              <a:rPr lang="en-US" altLang="ko-KR" dirty="0">
+                <a:solidFill>
+                  <a:schemeClr val="bg2">
+                    <a:lumMod val="25000"/>
+                  </a:schemeClr>
+                </a:solidFill>
+              </a:rPr>
+              <a:t>RNN(</a:t>
+            </a:r>
+            <a:r>
+              <a:rPr lang="ko-KR" altLang="en-US" dirty="0">
+                <a:solidFill>
+                  <a:schemeClr val="bg2">
+                    <a:lumMod val="25000"/>
+                  </a:schemeClr>
+                </a:solidFill>
+              </a:rPr>
+              <a:t>순환 신경망</a:t>
+            </a:r>
+            <a:r>
+              <a:rPr lang="en-US" altLang="ko-KR" dirty="0">
+                <a:solidFill>
+                  <a:schemeClr val="bg2">
+                    <a:lumMod val="25000"/>
+                  </a:schemeClr>
+                </a:solidFill>
+              </a:rPr>
+              <a:t>)</a:t>
+            </a:r>
+            <a:r>
+              <a:rPr lang="ko-KR" altLang="en-US" dirty="0">
+                <a:solidFill>
+                  <a:schemeClr val="bg2">
+                    <a:lumMod val="25000"/>
+                  </a:schemeClr>
+                </a:solidFill>
+              </a:rPr>
+              <a:t>을 가장 어려워 했고</a:t>
+            </a:r>
+            <a:r>
+              <a:rPr lang="en-US" altLang="ko-KR" dirty="0">
+                <a:solidFill>
+                  <a:schemeClr val="bg2">
+                    <a:lumMod val="25000"/>
+                  </a:schemeClr>
+                </a:solidFill>
+              </a:rPr>
+              <a:t>, </a:t>
+            </a:r>
+            <a:r>
+              <a:rPr lang="ko-KR" altLang="en-US" dirty="0">
+                <a:solidFill>
+                  <a:schemeClr val="bg2">
+                    <a:lumMod val="25000"/>
+                  </a:schemeClr>
+                </a:solidFill>
+              </a:rPr>
+              <a:t>프로젝트를 통해 실제 사용을 통해서 알고리즘에 대한 이해도를 높이고 싶었음 </a:t>
+            </a:r>
+            <a:endParaRPr lang="en-US" altLang="ko-KR" dirty="0">
+              <a:solidFill>
+                <a:schemeClr val="bg2">
+                  <a:lumMod val="25000"/>
+                </a:schemeClr>
+              </a:solidFill>
+            </a:endParaRPr>
+          </a:p>
+          <a:p>
+            <a:pPr marL="285750" indent="-285750">
+              <a:buFont typeface="Arial" panose="020B0604020202020204" pitchFamily="34" charset="0"/>
+              <a:buChar char="•"/>
+            </a:pPr>
+            <a:endParaRPr lang="en-US" altLang="ko-KR" dirty="0">
+              <a:solidFill>
+                <a:schemeClr val="bg2">
+                  <a:lumMod val="25000"/>
+                </a:schemeClr>
+              </a:solidFill>
+            </a:endParaRPr>
+          </a:p>
+          <a:p>
+            <a:pPr marL="285750" indent="-285750">
+              <a:buFont typeface="Arial" panose="020B0604020202020204" pitchFamily="34" charset="0"/>
+              <a:buChar char="•"/>
+            </a:pPr>
+            <a:r>
+              <a:rPr lang="ko-KR" altLang="en-US" dirty="0">
+                <a:solidFill>
+                  <a:schemeClr val="bg2">
+                    <a:lumMod val="25000"/>
+                  </a:schemeClr>
+                </a:solidFill>
+              </a:rPr>
+              <a:t>사전에 주식 시장 예측을 통해 </a:t>
+            </a:r>
+            <a:r>
+              <a:rPr lang="en-US" altLang="ko-KR" dirty="0">
+                <a:solidFill>
+                  <a:schemeClr val="bg2">
+                    <a:lumMod val="25000"/>
+                  </a:schemeClr>
+                </a:solidFill>
+              </a:rPr>
+              <a:t>RNN</a:t>
+            </a:r>
+            <a:r>
+              <a:rPr lang="ko-KR" altLang="en-US" dirty="0">
+                <a:solidFill>
+                  <a:schemeClr val="bg2">
+                    <a:lumMod val="25000"/>
+                  </a:schemeClr>
+                </a:solidFill>
+              </a:rPr>
+              <a:t>을 공부 했기 때문에</a:t>
+            </a:r>
+            <a:r>
+              <a:rPr lang="en-US" altLang="ko-KR" dirty="0">
+                <a:solidFill>
+                  <a:schemeClr val="bg2">
+                    <a:lumMod val="25000"/>
+                  </a:schemeClr>
+                </a:solidFill>
+              </a:rPr>
+              <a:t> </a:t>
+            </a:r>
+            <a:r>
+              <a:rPr lang="ko-KR" altLang="en-US" dirty="0">
+                <a:solidFill>
+                  <a:schemeClr val="bg2">
+                    <a:lumMod val="25000"/>
+                  </a:schemeClr>
+                </a:solidFill>
+              </a:rPr>
+              <a:t>이를 응용하여 최근 이슈가 되고있는 가상 화폐 시장을 예측해 보고 싶었음</a:t>
+            </a:r>
+            <a:endParaRPr lang="en-US" altLang="ko-KR" dirty="0">
+              <a:solidFill>
+                <a:schemeClr val="bg2">
+                  <a:lumMod val="25000"/>
+                </a:schemeClr>
+              </a:solidFill>
+            </a:endParaRPr>
+          </a:p>
+        </p:txBody>
+      </p:sp>
+      <p:sp>
+        <p:nvSpPr>
+          <p:cNvPr id="4" name="바닥글 개체 틀 10">
+            <a:extLst>
+              <a:ext uri="{FF2B5EF4-FFF2-40B4-BE49-F238E27FC236}">
+                <a16:creationId xmlns:a16="http://schemas.microsoft.com/office/drawing/2014/main" id="{9AE09840-DEC8-4449-8FE9-7BE04D3C8ECD}"/>
+              </a:ext>
+            </a:extLst>
+          </p:cNvPr>
+          <p:cNvSpPr>
+            <a:spLocks noGrp="1"/>
+          </p:cNvSpPr>
+          <p:nvPr>
+            <p:ph type="ftr" sz="quarter" idx="11"/>
+          </p:nvPr>
+        </p:nvSpPr>
+        <p:spPr>
+          <a:xfrm>
+            <a:off x="8623069" y="6434667"/>
+            <a:ext cx="4114800" cy="365125"/>
+          </a:xfrm>
+        </p:spPr>
+        <p:txBody>
+          <a:bodyPr/>
+          <a:lstStyle/>
+          <a:p>
+            <a:r>
+              <a:rPr lang="en-US" dirty="0"/>
+              <a:t>Machine Learning</a:t>
+            </a:r>
+          </a:p>
+        </p:txBody>
+      </p:sp>
+      <p:sp>
+        <p:nvSpPr>
+          <p:cNvPr id="5" name="슬라이드 번호 개체 틀 8">
+            <a:extLst>
+              <a:ext uri="{FF2B5EF4-FFF2-40B4-BE49-F238E27FC236}">
+                <a16:creationId xmlns:a16="http://schemas.microsoft.com/office/drawing/2014/main" id="{3DAA2802-9F79-4B49-AAAB-993CF6075ED3}"/>
+              </a:ext>
+            </a:extLst>
+          </p:cNvPr>
+          <p:cNvSpPr>
+            <a:spLocks noGrp="1"/>
+          </p:cNvSpPr>
+          <p:nvPr>
+            <p:ph type="sldNum" sz="quarter" idx="12"/>
+          </p:nvPr>
+        </p:nvSpPr>
+        <p:spPr>
+          <a:xfrm>
+            <a:off x="9308869" y="6434667"/>
+            <a:ext cx="2743200" cy="365125"/>
+          </a:xfrm>
+        </p:spPr>
+        <p:txBody>
+          <a:bodyPr/>
+          <a:lstStyle/>
+          <a:p>
+            <a:r>
+              <a:rPr lang="en-US" dirty="0"/>
+              <a:t>18</a:t>
+            </a:r>
+          </a:p>
+        </p:txBody>
+      </p:sp>
+    </p:spTree>
+    <p:extLst>
+      <p:ext uri="{BB962C8B-B14F-4D97-AF65-F5344CB8AC3E}">
+        <p14:creationId xmlns:p14="http://schemas.microsoft.com/office/powerpoint/2010/main" val="3429232916"/>
+      </p:ext>
+    </p:extLst>
+  </p:cSld>
+  <p:clrMapOvr>
+    <a:masterClrMapping/>
+  </p:clrMapOvr>
+</p:sld>
+</file>
+
+<file path=ppt/slides/slide21.xml><?xml version="1.0" encoding="utf-8"?>
+<p:sld xmlns:a="http://schemas.openxmlformats.org/drawingml/2006/main" xmlns:r="http://schemas.openxmlformats.org/officeDocument/2006/relationships" xmlns:p="http://schemas.openxmlformats.org/presentationml/2006/main">
+  <p:cSld>
+    <p:spTree>
+      <p:nvGrpSpPr>
+        <p:cNvPr id="1" name=""/>
+        <p:cNvGrpSpPr/>
+        <p:nvPr/>
+      </p:nvGrpSpPr>
+      <p:grpSpPr>
+        <a:xfrm>
+          <a:off x="0" y="0"/>
+          <a:ext cx="0" cy="0"/>
+          <a:chOff x="0" y="0"/>
+          <a:chExt cx="0" cy="0"/>
+        </a:xfrm>
+      </p:grpSpPr>
+      <p:grpSp>
+        <p:nvGrpSpPr>
+          <p:cNvPr id="3" name="Group 36"/>
+          <p:cNvGrpSpPr>
+            <a:grpSpLocks noChangeAspect="1"/>
+          </p:cNvGrpSpPr>
+          <p:nvPr/>
+        </p:nvGrpSpPr>
+        <p:grpSpPr bwMode="auto">
+          <a:xfrm>
+            <a:off x="7288213" y="2017713"/>
+            <a:ext cx="4311650" cy="3322637"/>
+            <a:chOff x="255" y="1263"/>
+            <a:chExt cx="2716" cy="2093"/>
+          </a:xfrm>
+        </p:grpSpPr>
+        <p:sp>
+          <p:nvSpPr>
+            <p:cNvPr id="4" name="Freeform 37"/>
+            <p:cNvSpPr>
+              <a:spLocks/>
+            </p:cNvSpPr>
+            <p:nvPr/>
+          </p:nvSpPr>
+          <p:spPr bwMode="auto">
+            <a:xfrm>
+              <a:off x="1162" y="2963"/>
+              <a:ext cx="908" cy="393"/>
+            </a:xfrm>
+            <a:custGeom>
+              <a:avLst/>
+              <a:gdLst>
+                <a:gd name="T0" fmla="*/ 432 w 453"/>
+                <a:gd name="T1" fmla="*/ 171 h 196"/>
+                <a:gd name="T2" fmla="*/ 396 w 453"/>
+                <a:gd name="T3" fmla="*/ 138 h 196"/>
+                <a:gd name="T4" fmla="*/ 379 w 453"/>
+                <a:gd name="T5" fmla="*/ 110 h 196"/>
+                <a:gd name="T6" fmla="*/ 369 w 453"/>
+                <a:gd name="T7" fmla="*/ 0 h 196"/>
+                <a:gd name="T8" fmla="*/ 84 w 453"/>
+                <a:gd name="T9" fmla="*/ 0 h 196"/>
+                <a:gd name="T10" fmla="*/ 74 w 453"/>
+                <a:gd name="T11" fmla="*/ 110 h 196"/>
+                <a:gd name="T12" fmla="*/ 58 w 453"/>
+                <a:gd name="T13" fmla="*/ 139 h 196"/>
+                <a:gd name="T14" fmla="*/ 21 w 453"/>
+                <a:gd name="T15" fmla="*/ 172 h 196"/>
+                <a:gd name="T16" fmla="*/ 32 w 453"/>
+                <a:gd name="T17" fmla="*/ 191 h 196"/>
+                <a:gd name="T18" fmla="*/ 196 w 453"/>
+                <a:gd name="T19" fmla="*/ 196 h 196"/>
+                <a:gd name="T20" fmla="*/ 257 w 453"/>
+                <a:gd name="T21" fmla="*/ 196 h 196"/>
+                <a:gd name="T22" fmla="*/ 422 w 453"/>
+                <a:gd name="T23" fmla="*/ 191 h 196"/>
+                <a:gd name="T24" fmla="*/ 432 w 453"/>
+                <a:gd name="T25" fmla="*/ 171 h 196"/>
+              </a:gdLst>
+              <a:ahLst/>
+              <a:cxnLst>
+                <a:cxn ang="0">
+                  <a:pos x="T0" y="T1"/>
+                </a:cxn>
+                <a:cxn ang="0">
+                  <a:pos x="T2" y="T3"/>
+                </a:cxn>
+                <a:cxn ang="0">
+                  <a:pos x="T4" y="T5"/>
+                </a:cxn>
+                <a:cxn ang="0">
+                  <a:pos x="T6" y="T7"/>
+                </a:cxn>
+                <a:cxn ang="0">
+                  <a:pos x="T8" y="T9"/>
+                </a:cxn>
+                <a:cxn ang="0">
+                  <a:pos x="T10" y="T11"/>
+                </a:cxn>
+                <a:cxn ang="0">
+                  <a:pos x="T12" y="T13"/>
+                </a:cxn>
+                <a:cxn ang="0">
+                  <a:pos x="T14" y="T15"/>
+                </a:cxn>
+                <a:cxn ang="0">
+                  <a:pos x="T16" y="T17"/>
+                </a:cxn>
+                <a:cxn ang="0">
+                  <a:pos x="T18" y="T19"/>
+                </a:cxn>
+                <a:cxn ang="0">
+                  <a:pos x="T20" y="T21"/>
+                </a:cxn>
+                <a:cxn ang="0">
+                  <a:pos x="T22" y="T23"/>
+                </a:cxn>
+                <a:cxn ang="0">
+                  <a:pos x="T24" y="T25"/>
+                </a:cxn>
+              </a:cxnLst>
+              <a:rect l="0" t="0" r="r" b="b"/>
+              <a:pathLst>
+                <a:path w="453" h="196">
+                  <a:moveTo>
+                    <a:pt x="432" y="171"/>
+                  </a:moveTo>
+                  <a:cubicBezTo>
+                    <a:pt x="432" y="171"/>
+                    <a:pt x="409" y="151"/>
+                    <a:pt x="396" y="138"/>
+                  </a:cubicBezTo>
+                  <a:cubicBezTo>
+                    <a:pt x="383" y="125"/>
+                    <a:pt x="379" y="110"/>
+                    <a:pt x="379" y="110"/>
+                  </a:cubicBezTo>
+                  <a:cubicBezTo>
+                    <a:pt x="369" y="0"/>
+                    <a:pt x="369" y="0"/>
+                    <a:pt x="369" y="0"/>
+                  </a:cubicBezTo>
+                  <a:cubicBezTo>
+                    <a:pt x="84" y="0"/>
+                    <a:pt x="84" y="0"/>
+                    <a:pt x="84" y="0"/>
+                  </a:cubicBezTo>
+                  <a:cubicBezTo>
+                    <a:pt x="74" y="110"/>
+                    <a:pt x="74" y="110"/>
+                    <a:pt x="74" y="110"/>
+                  </a:cubicBezTo>
+                  <a:cubicBezTo>
+                    <a:pt x="74" y="110"/>
+                    <a:pt x="70" y="126"/>
+                    <a:pt x="58" y="139"/>
+                  </a:cubicBezTo>
+                  <a:cubicBezTo>
+                    <a:pt x="45" y="152"/>
+                    <a:pt x="21" y="172"/>
+                    <a:pt x="21" y="172"/>
+                  </a:cubicBezTo>
+                  <a:cubicBezTo>
+                    <a:pt x="21" y="172"/>
+                    <a:pt x="0" y="187"/>
+                    <a:pt x="32" y="191"/>
+                  </a:cubicBezTo>
+                  <a:cubicBezTo>
+                    <a:pt x="50" y="194"/>
+                    <a:pt x="131" y="196"/>
+                    <a:pt x="196" y="196"/>
+                  </a:cubicBezTo>
+                  <a:cubicBezTo>
+                    <a:pt x="257" y="196"/>
+                    <a:pt x="257" y="196"/>
+                    <a:pt x="257" y="196"/>
+                  </a:cubicBezTo>
+                  <a:cubicBezTo>
+                    <a:pt x="324" y="196"/>
+                    <a:pt x="403" y="194"/>
+                    <a:pt x="422" y="191"/>
+                  </a:cubicBezTo>
+                  <a:cubicBezTo>
+                    <a:pt x="453" y="186"/>
+                    <a:pt x="432" y="171"/>
+                    <a:pt x="432" y="171"/>
+                  </a:cubicBezTo>
+                  <a:close/>
+                </a:path>
+              </a:pathLst>
+            </a:custGeom>
+            <a:solidFill>
+              <a:srgbClr val="333333"/>
+            </a:solidFill>
+            <a:ln>
+              <a:noFill/>
+            </a:ln>
+            <a:extLst>
+              <a:ext uri="{91240B29-F687-4F45-9708-019B960494DF}">
+                <a14:hiddenLine xmlns:a14="http://schemas.microsoft.com/office/drawing/2010/main" w="9525">
+                  <a:solidFill>
+                    <a:srgbClr val="000000"/>
+                  </a:solidFill>
+                  <a:round/>
+                  <a:headEnd/>
+                  <a:tailEnd/>
+                </a14:hiddenLine>
+              </a:ext>
+            </a:extLst>
+          </p:spPr>
+          <p:txBody>
+            <a:bodyPr vert="horz" wrap="square" lIns="91440" tIns="45720" rIns="91440" bIns="45720" numCol="1" anchor="t" anchorCtr="0" compatLnSpc="1">
+              <a:prstTxWarp prst="textNoShape">
+                <a:avLst/>
+              </a:prstTxWarp>
+            </a:bodyPr>
+            <a:lstStyle/>
+            <a:p>
+              <a:endParaRPr lang="en-US"/>
+            </a:p>
+          </p:txBody>
+        </p:sp>
+        <p:sp>
+          <p:nvSpPr>
+            <p:cNvPr id="5" name="Freeform 38"/>
+            <p:cNvSpPr>
+              <a:spLocks noEditPoints="1"/>
+            </p:cNvSpPr>
+            <p:nvPr/>
+          </p:nvSpPr>
+          <p:spPr bwMode="auto">
+            <a:xfrm>
+              <a:off x="255" y="1263"/>
+              <a:ext cx="2716" cy="1660"/>
+            </a:xfrm>
+            <a:custGeom>
+              <a:avLst/>
+              <a:gdLst>
+                <a:gd name="T0" fmla="*/ 1323 w 1356"/>
+                <a:gd name="T1" fmla="*/ 0 h 828"/>
+                <a:gd name="T2" fmla="*/ 35 w 1356"/>
+                <a:gd name="T3" fmla="*/ 0 h 828"/>
+                <a:gd name="T4" fmla="*/ 0 w 1356"/>
+                <a:gd name="T5" fmla="*/ 36 h 828"/>
+                <a:gd name="T6" fmla="*/ 0 w 1356"/>
+                <a:gd name="T7" fmla="*/ 792 h 828"/>
+                <a:gd name="T8" fmla="*/ 35 w 1356"/>
+                <a:gd name="T9" fmla="*/ 828 h 828"/>
+                <a:gd name="T10" fmla="*/ 512 w 1356"/>
+                <a:gd name="T11" fmla="*/ 828 h 828"/>
+                <a:gd name="T12" fmla="*/ 539 w 1356"/>
+                <a:gd name="T13" fmla="*/ 828 h 828"/>
+                <a:gd name="T14" fmla="*/ 820 w 1356"/>
+                <a:gd name="T15" fmla="*/ 828 h 828"/>
+                <a:gd name="T16" fmla="*/ 849 w 1356"/>
+                <a:gd name="T17" fmla="*/ 828 h 828"/>
+                <a:gd name="T18" fmla="*/ 1323 w 1356"/>
+                <a:gd name="T19" fmla="*/ 828 h 828"/>
+                <a:gd name="T20" fmla="*/ 1356 w 1356"/>
+                <a:gd name="T21" fmla="*/ 792 h 828"/>
+                <a:gd name="T22" fmla="*/ 1356 w 1356"/>
+                <a:gd name="T23" fmla="*/ 36 h 828"/>
+                <a:gd name="T24" fmla="*/ 1323 w 1356"/>
+                <a:gd name="T25" fmla="*/ 0 h 828"/>
+                <a:gd name="T26" fmla="*/ 1300 w 1356"/>
+                <a:gd name="T27" fmla="*/ 768 h 828"/>
+                <a:gd name="T28" fmla="*/ 52 w 1356"/>
+                <a:gd name="T29" fmla="*/ 768 h 828"/>
+                <a:gd name="T30" fmla="*/ 52 w 1356"/>
+                <a:gd name="T31" fmla="*/ 60 h 828"/>
+                <a:gd name="T32" fmla="*/ 1300 w 1356"/>
+                <a:gd name="T33" fmla="*/ 60 h 828"/>
+                <a:gd name="T34" fmla="*/ 1300 w 1356"/>
+                <a:gd name="T35" fmla="*/ 768 h 828"/>
+              </a:gdLst>
+              <a:ahLst/>
+              <a:cxnLst>
+                <a:cxn ang="0">
+                  <a:pos x="T0" y="T1"/>
+                </a:cxn>
+                <a:cxn ang="0">
+                  <a:pos x="T2" y="T3"/>
+                </a:cxn>
+                <a:cxn ang="0">
+                  <a:pos x="T4" y="T5"/>
+                </a:cxn>
+                <a:cxn ang="0">
+                  <a:pos x="T6" y="T7"/>
+                </a:cxn>
+                <a:cxn ang="0">
+                  <a:pos x="T8" y="T9"/>
+                </a:cxn>
+                <a:cxn ang="0">
+                  <a:pos x="T10" y="T11"/>
+                </a:cxn>
+                <a:cxn ang="0">
+                  <a:pos x="T12" y="T13"/>
+                </a:cxn>
+                <a:cxn ang="0">
+                  <a:pos x="T14" y="T15"/>
+                </a:cxn>
+                <a:cxn ang="0">
+                  <a:pos x="T16" y="T17"/>
+                </a:cxn>
+                <a:cxn ang="0">
+                  <a:pos x="T18" y="T19"/>
+                </a:cxn>
+                <a:cxn ang="0">
+                  <a:pos x="T20" y="T21"/>
+                </a:cxn>
+                <a:cxn ang="0">
+                  <a:pos x="T22" y="T23"/>
+                </a:cxn>
+                <a:cxn ang="0">
+                  <a:pos x="T24" y="T25"/>
+                </a:cxn>
+                <a:cxn ang="0">
+                  <a:pos x="T26" y="T27"/>
+                </a:cxn>
+                <a:cxn ang="0">
+                  <a:pos x="T28" y="T29"/>
+                </a:cxn>
+                <a:cxn ang="0">
+                  <a:pos x="T30" y="T31"/>
+                </a:cxn>
+                <a:cxn ang="0">
+                  <a:pos x="T32" y="T33"/>
+                </a:cxn>
+                <a:cxn ang="0">
+                  <a:pos x="T34" y="T35"/>
+                </a:cxn>
+              </a:cxnLst>
+              <a:rect l="0" t="0" r="r" b="b"/>
+              <a:pathLst>
+                <a:path w="1356" h="828">
+                  <a:moveTo>
+                    <a:pt x="1323" y="0"/>
+                  </a:moveTo>
+                  <a:cubicBezTo>
+                    <a:pt x="35" y="0"/>
+                    <a:pt x="35" y="0"/>
+                    <a:pt x="35" y="0"/>
+                  </a:cubicBezTo>
+                  <a:cubicBezTo>
+                    <a:pt x="16" y="0"/>
+                    <a:pt x="0" y="17"/>
+                    <a:pt x="0" y="36"/>
+                  </a:cubicBezTo>
+                  <a:cubicBezTo>
+                    <a:pt x="0" y="792"/>
+                    <a:pt x="0" y="792"/>
+                    <a:pt x="0" y="792"/>
+                  </a:cubicBezTo>
+                  <a:cubicBezTo>
+                    <a:pt x="0" y="811"/>
+                    <a:pt x="16" y="828"/>
+                    <a:pt x="35" y="828"/>
+                  </a:cubicBezTo>
+                  <a:cubicBezTo>
+                    <a:pt x="512" y="828"/>
+                    <a:pt x="512" y="828"/>
+                    <a:pt x="512" y="828"/>
+                  </a:cubicBezTo>
+                  <a:cubicBezTo>
+                    <a:pt x="539" y="828"/>
+                    <a:pt x="539" y="828"/>
+                    <a:pt x="539" y="828"/>
+                  </a:cubicBezTo>
+                  <a:cubicBezTo>
+                    <a:pt x="820" y="828"/>
+                    <a:pt x="820" y="828"/>
+                    <a:pt x="820" y="828"/>
+                  </a:cubicBezTo>
+                  <a:cubicBezTo>
+                    <a:pt x="849" y="828"/>
+                    <a:pt x="849" y="828"/>
+                    <a:pt x="849" y="828"/>
+                  </a:cubicBezTo>
+                  <a:cubicBezTo>
+                    <a:pt x="1323" y="828"/>
+                    <a:pt x="1323" y="828"/>
+                    <a:pt x="1323" y="828"/>
+                  </a:cubicBezTo>
+                  <a:cubicBezTo>
+                    <a:pt x="1342" y="828"/>
+                    <a:pt x="1356" y="811"/>
+                    <a:pt x="1356" y="792"/>
+                  </a:cubicBezTo>
+                  <a:cubicBezTo>
+                    <a:pt x="1356" y="36"/>
+                    <a:pt x="1356" y="36"/>
+                    <a:pt x="1356" y="36"/>
+                  </a:cubicBezTo>
+                  <a:cubicBezTo>
+                    <a:pt x="1356" y="17"/>
+                    <a:pt x="1342" y="0"/>
+                    <a:pt x="1323" y="0"/>
+                  </a:cubicBezTo>
+                  <a:close/>
+                  <a:moveTo>
+                    <a:pt x="1300" y="768"/>
+                  </a:moveTo>
+                  <a:cubicBezTo>
+                    <a:pt x="52" y="768"/>
+                    <a:pt x="52" y="768"/>
+                    <a:pt x="52" y="768"/>
+                  </a:cubicBezTo>
+                  <a:cubicBezTo>
+                    <a:pt x="52" y="60"/>
+                    <a:pt x="52" y="60"/>
+                    <a:pt x="52" y="60"/>
+                  </a:cubicBezTo>
+                  <a:cubicBezTo>
+                    <a:pt x="1300" y="60"/>
+                    <a:pt x="1300" y="60"/>
+                    <a:pt x="1300" y="60"/>
+                  </a:cubicBezTo>
+                  <a:lnTo>
+                    <a:pt x="1300" y="768"/>
+                  </a:lnTo>
+                  <a:close/>
+                </a:path>
+              </a:pathLst>
+            </a:custGeom>
+            <a:solidFill>
+              <a:srgbClr val="333333"/>
+            </a:solidFill>
+            <a:ln>
+              <a:noFill/>
+            </a:ln>
+            <a:extLst>
+              <a:ext uri="{91240B29-F687-4F45-9708-019B960494DF}">
+                <a14:hiddenLine xmlns:a14="http://schemas.microsoft.com/office/drawing/2010/main" w="9525">
+                  <a:solidFill>
+                    <a:srgbClr val="000000"/>
+                  </a:solidFill>
+                  <a:round/>
+                  <a:headEnd/>
+                  <a:tailEnd/>
+                </a14:hiddenLine>
+              </a:ext>
+            </a:extLst>
+          </p:spPr>
+          <p:txBody>
+            <a:bodyPr vert="horz" wrap="square" lIns="91440" tIns="45720" rIns="91440" bIns="45720" numCol="1" anchor="t" anchorCtr="0" compatLnSpc="1">
+              <a:prstTxWarp prst="textNoShape">
+                <a:avLst/>
+              </a:prstTxWarp>
+            </a:bodyPr>
+            <a:lstStyle/>
+            <a:p>
+              <a:endParaRPr lang="en-US"/>
+            </a:p>
+          </p:txBody>
+        </p:sp>
+      </p:grpSp>
+      <p:sp>
+        <p:nvSpPr>
+          <p:cNvPr id="12" name="TextBox 11"/>
+          <p:cNvSpPr txBox="1"/>
+          <p:nvPr/>
+        </p:nvSpPr>
+        <p:spPr>
+          <a:xfrm>
+            <a:off x="635000" y="1526247"/>
+            <a:ext cx="5613400" cy="1261884"/>
+          </a:xfrm>
+          <a:prstGeom prst="rect">
+            <a:avLst/>
+          </a:prstGeom>
+          <a:noFill/>
+        </p:spPr>
+        <p:txBody>
+          <a:bodyPr wrap="square" rtlCol="0">
+            <a:spAutoFit/>
+          </a:bodyPr>
+          <a:lstStyle/>
+          <a:p>
+            <a:r>
+              <a:rPr lang="ko-KR" altLang="en-US" sz="4800" spc="-300" dirty="0">
+                <a:solidFill>
+                  <a:schemeClr val="tx1">
+                    <a:lumMod val="65000"/>
+                    <a:lumOff val="35000"/>
+                  </a:schemeClr>
+                </a:solidFill>
+                <a:latin typeface="Arial" panose="020B0604020202020204" pitchFamily="34" charset="0"/>
+                <a:cs typeface="Arial" panose="020B0604020202020204" pitchFamily="34" charset="0"/>
+              </a:rPr>
+              <a:t>가상 화폐 예측</a:t>
+            </a:r>
+            <a:endParaRPr lang="en-US" altLang="ko-KR" sz="4800" spc="-300" dirty="0">
+              <a:solidFill>
+                <a:schemeClr val="tx1">
+                  <a:lumMod val="65000"/>
+                  <a:lumOff val="35000"/>
+                </a:schemeClr>
+              </a:solidFill>
+              <a:latin typeface="Arial" panose="020B0604020202020204" pitchFamily="34" charset="0"/>
+              <a:cs typeface="Arial" panose="020B0604020202020204" pitchFamily="34" charset="0"/>
+            </a:endParaRPr>
+          </a:p>
+          <a:p>
+            <a:r>
+              <a:rPr lang="en-US" sz="2800" spc="-300" dirty="0">
+                <a:solidFill>
+                  <a:schemeClr val="tx1">
+                    <a:lumMod val="65000"/>
+                    <a:lumOff val="35000"/>
+                  </a:schemeClr>
+                </a:solidFill>
+                <a:latin typeface="Arial" panose="020B0604020202020204" pitchFamily="34" charset="0"/>
+                <a:cs typeface="Arial" panose="020B0604020202020204" pitchFamily="34" charset="0"/>
+              </a:rPr>
+              <a:t>(Machine Learning</a:t>
+            </a:r>
+            <a:r>
+              <a:rPr lang="ko-KR" altLang="en-US" sz="2800" spc="-300" dirty="0">
+                <a:solidFill>
+                  <a:schemeClr val="tx1">
+                    <a:lumMod val="65000"/>
+                    <a:lumOff val="35000"/>
+                  </a:schemeClr>
+                </a:solidFill>
+                <a:latin typeface="Arial" panose="020B0604020202020204" pitchFamily="34" charset="0"/>
+                <a:cs typeface="Arial" panose="020B0604020202020204" pitchFamily="34" charset="0"/>
+              </a:rPr>
+              <a:t>을 이용한</a:t>
+            </a:r>
+            <a:r>
+              <a:rPr lang="en-US" altLang="ko-KR" sz="2800" spc="-300" dirty="0">
+                <a:solidFill>
+                  <a:schemeClr val="tx1">
+                    <a:lumMod val="65000"/>
+                    <a:lumOff val="35000"/>
+                  </a:schemeClr>
+                </a:solidFill>
+                <a:latin typeface="Arial" panose="020B0604020202020204" pitchFamily="34" charset="0"/>
+                <a:cs typeface="Arial" panose="020B0604020202020204" pitchFamily="34" charset="0"/>
+              </a:rPr>
+              <a:t>)</a:t>
+            </a:r>
+            <a:endParaRPr lang="en-US" sz="4800" spc="-300" dirty="0">
+              <a:solidFill>
+                <a:schemeClr val="tx1">
+                  <a:lumMod val="65000"/>
+                  <a:lumOff val="35000"/>
+                </a:schemeClr>
+              </a:solidFill>
+              <a:latin typeface="Arial" panose="020B0604020202020204" pitchFamily="34" charset="0"/>
+              <a:cs typeface="Arial" panose="020B0604020202020204" pitchFamily="34" charset="0"/>
+            </a:endParaRPr>
+          </a:p>
+        </p:txBody>
+      </p:sp>
+      <p:grpSp>
+        <p:nvGrpSpPr>
+          <p:cNvPr id="24" name="그룹 23">
+            <a:extLst>
+              <a:ext uri="{FF2B5EF4-FFF2-40B4-BE49-F238E27FC236}">
+                <a16:creationId xmlns:a16="http://schemas.microsoft.com/office/drawing/2014/main" id="{7711521F-29D5-4D32-85C8-FA5A0BAFA5D0}"/>
+              </a:ext>
+            </a:extLst>
+          </p:cNvPr>
+          <p:cNvGrpSpPr/>
+          <p:nvPr/>
+        </p:nvGrpSpPr>
+        <p:grpSpPr>
+          <a:xfrm>
+            <a:off x="635000" y="2813050"/>
+            <a:ext cx="3015744" cy="1172779"/>
+            <a:chOff x="635000" y="2813050"/>
+            <a:chExt cx="3015744" cy="1172779"/>
+          </a:xfrm>
+        </p:grpSpPr>
+        <p:sp>
+          <p:nvSpPr>
+            <p:cNvPr id="6" name="Rectangle 5"/>
+            <p:cNvSpPr/>
+            <p:nvPr/>
+          </p:nvSpPr>
+          <p:spPr>
+            <a:xfrm>
+              <a:off x="635000" y="2813050"/>
+              <a:ext cx="3015744" cy="1172779"/>
+            </a:xfrm>
+            <a:prstGeom prst="rect">
+              <a:avLst/>
+            </a:prstGeom>
+            <a:ln>
+              <a:noFill/>
+            </a:ln>
+          </p:spPr>
+          <p:style>
+            <a:lnRef idx="2">
+              <a:schemeClr val="accent1">
+                <a:shade val="50000"/>
+              </a:schemeClr>
+            </a:lnRef>
+            <a:fillRef idx="1">
+              <a:schemeClr val="accent1"/>
+            </a:fillRef>
+            <a:effectRef idx="0">
+              <a:schemeClr val="accent1"/>
+            </a:effectRef>
+            <a:fontRef idx="minor">
+              <a:schemeClr val="lt1"/>
+            </a:fontRef>
+          </p:style>
+          <p:txBody>
+            <a:bodyPr rtlCol="0" anchor="ctr"/>
+            <a:lstStyle/>
+            <a:p>
+              <a:pPr marL="1206500"/>
+              <a:r>
+                <a:rPr lang="ko-KR" altLang="en-US" dirty="0">
+                  <a:solidFill>
+                    <a:schemeClr val="bg1"/>
+                  </a:solidFill>
+                </a:rPr>
+                <a:t>순환 신경망</a:t>
+              </a:r>
+              <a:r>
+                <a:rPr lang="en-US" altLang="ko-KR" dirty="0">
+                  <a:solidFill>
+                    <a:schemeClr val="bg1"/>
+                  </a:solidFill>
+                </a:rPr>
+                <a:t>(RNN)</a:t>
+              </a:r>
+              <a:r>
+                <a:rPr lang="ko-KR" altLang="en-US" dirty="0">
+                  <a:solidFill>
+                    <a:schemeClr val="bg1"/>
+                  </a:solidFill>
+                </a:rPr>
+                <a:t>을 사용하여 예측</a:t>
+              </a:r>
+              <a:endParaRPr lang="en-US" dirty="0">
+                <a:solidFill>
+                  <a:schemeClr val="bg1"/>
+                </a:solidFill>
+              </a:endParaRPr>
+            </a:p>
+          </p:txBody>
+        </p:sp>
+        <p:sp>
+          <p:nvSpPr>
+            <p:cNvPr id="13" name="Rectangle 12"/>
+            <p:cNvSpPr/>
+            <p:nvPr/>
+          </p:nvSpPr>
+          <p:spPr>
+            <a:xfrm>
+              <a:off x="635000" y="2813050"/>
+              <a:ext cx="1059944" cy="1172779"/>
+            </a:xfrm>
+            <a:prstGeom prst="rect">
+              <a:avLst/>
+            </a:prstGeom>
+            <a:solidFill>
+              <a:schemeClr val="accent1">
+                <a:lumMod val="75000"/>
+              </a:schemeClr>
+            </a:solidFill>
+            <a:ln>
+              <a:noFill/>
+            </a:ln>
+          </p:spPr>
+          <p:style>
+            <a:lnRef idx="2">
+              <a:schemeClr val="accent1">
+                <a:shade val="50000"/>
+              </a:schemeClr>
+            </a:lnRef>
+            <a:fillRef idx="1">
+              <a:schemeClr val="accent1"/>
+            </a:fillRef>
+            <a:effectRef idx="0">
+              <a:schemeClr val="accent1"/>
+            </a:effectRef>
+            <a:fontRef idx="minor">
+              <a:schemeClr val="lt1"/>
+            </a:fontRef>
+          </p:style>
+          <p:txBody>
+            <a:bodyPr rtlCol="0" anchor="ctr"/>
+            <a:lstStyle/>
+            <a:p>
+              <a:pPr algn="ctr"/>
+              <a:r>
+                <a:rPr lang="en-US" sz="3200" spc="-300" dirty="0">
+                  <a:latin typeface="Arial" panose="020B0604020202020204" pitchFamily="34" charset="0"/>
+                  <a:cs typeface="Arial" panose="020B0604020202020204" pitchFamily="34" charset="0"/>
+                </a:rPr>
+                <a:t>01</a:t>
+              </a:r>
+            </a:p>
+          </p:txBody>
+        </p:sp>
+      </p:grpSp>
+      <p:grpSp>
+        <p:nvGrpSpPr>
+          <p:cNvPr id="18" name="그룹 17">
+            <a:extLst>
+              <a:ext uri="{FF2B5EF4-FFF2-40B4-BE49-F238E27FC236}">
+                <a16:creationId xmlns:a16="http://schemas.microsoft.com/office/drawing/2014/main" id="{A42BFEE2-66D8-4B3F-B901-6603651D082A}"/>
+              </a:ext>
+            </a:extLst>
+          </p:cNvPr>
+          <p:cNvGrpSpPr/>
+          <p:nvPr/>
+        </p:nvGrpSpPr>
+        <p:grpSpPr>
+          <a:xfrm>
+            <a:off x="3791456" y="2813050"/>
+            <a:ext cx="3015744" cy="1172779"/>
+            <a:chOff x="3791456" y="2813050"/>
+            <a:chExt cx="3015744" cy="1172779"/>
+          </a:xfrm>
+        </p:grpSpPr>
+        <p:sp>
+          <p:nvSpPr>
+            <p:cNvPr id="7" name="Rectangle 6"/>
+            <p:cNvSpPr/>
+            <p:nvPr/>
+          </p:nvSpPr>
+          <p:spPr>
+            <a:xfrm>
+              <a:off x="3791456" y="2813050"/>
+              <a:ext cx="3015744" cy="1172779"/>
+            </a:xfrm>
+            <a:prstGeom prst="rect">
+              <a:avLst/>
+            </a:prstGeom>
+            <a:solidFill>
+              <a:schemeClr val="accent2"/>
+            </a:solidFill>
+            <a:ln>
+              <a:noFill/>
+            </a:ln>
+          </p:spPr>
+          <p:style>
+            <a:lnRef idx="2">
+              <a:schemeClr val="accent1">
+                <a:shade val="50000"/>
+              </a:schemeClr>
+            </a:lnRef>
+            <a:fillRef idx="1">
+              <a:schemeClr val="accent1"/>
+            </a:fillRef>
+            <a:effectRef idx="0">
+              <a:schemeClr val="accent1"/>
+            </a:effectRef>
+            <a:fontRef idx="minor">
+              <a:schemeClr val="lt1"/>
+            </a:fontRef>
+          </p:style>
+          <p:txBody>
+            <a:bodyPr rtlCol="0" anchor="ctr"/>
+            <a:lstStyle/>
+            <a:p>
+              <a:pPr marL="1206500"/>
+              <a:r>
+                <a:rPr lang="ko-KR" altLang="en-US" dirty="0">
+                  <a:solidFill>
+                    <a:schemeClr val="bg1"/>
+                  </a:solidFill>
+                </a:rPr>
+                <a:t>실시간 데이터 수집 </a:t>
+              </a:r>
+              <a:endParaRPr lang="en-US" altLang="ko-KR" dirty="0">
+                <a:solidFill>
+                  <a:schemeClr val="bg1"/>
+                </a:solidFill>
+              </a:endParaRPr>
+            </a:p>
+          </p:txBody>
+        </p:sp>
+        <p:sp>
+          <p:nvSpPr>
+            <p:cNvPr id="14" name="Rectangle 13"/>
+            <p:cNvSpPr/>
+            <p:nvPr/>
+          </p:nvSpPr>
+          <p:spPr>
+            <a:xfrm>
+              <a:off x="3791456" y="2813050"/>
+              <a:ext cx="1059944" cy="1172779"/>
+            </a:xfrm>
+            <a:prstGeom prst="rect">
+              <a:avLst/>
+            </a:prstGeom>
+            <a:solidFill>
+              <a:schemeClr val="accent2">
+                <a:lumMod val="75000"/>
+              </a:schemeClr>
+            </a:solidFill>
+            <a:ln>
+              <a:noFill/>
+            </a:ln>
+          </p:spPr>
+          <p:style>
+            <a:lnRef idx="2">
+              <a:schemeClr val="accent1">
+                <a:shade val="50000"/>
+              </a:schemeClr>
+            </a:lnRef>
+            <a:fillRef idx="1">
+              <a:schemeClr val="accent1"/>
+            </a:fillRef>
+            <a:effectRef idx="0">
+              <a:schemeClr val="accent1"/>
+            </a:effectRef>
+            <a:fontRef idx="minor">
+              <a:schemeClr val="lt1"/>
+            </a:fontRef>
+          </p:style>
+          <p:txBody>
+            <a:bodyPr rtlCol="0" anchor="ctr"/>
+            <a:lstStyle/>
+            <a:p>
+              <a:pPr algn="ctr"/>
+              <a:r>
+                <a:rPr lang="en-US" sz="3200" spc="-300" dirty="0">
+                  <a:latin typeface="Arial" panose="020B0604020202020204" pitchFamily="34" charset="0"/>
+                  <a:cs typeface="Arial" panose="020B0604020202020204" pitchFamily="34" charset="0"/>
+                </a:rPr>
+                <a:t>02</a:t>
+              </a:r>
+            </a:p>
+          </p:txBody>
+        </p:sp>
+      </p:grpSp>
+      <p:grpSp>
+        <p:nvGrpSpPr>
+          <p:cNvPr id="2" name="그룹 1">
+            <a:extLst>
+              <a:ext uri="{FF2B5EF4-FFF2-40B4-BE49-F238E27FC236}">
+                <a16:creationId xmlns:a16="http://schemas.microsoft.com/office/drawing/2014/main" id="{E2642AC2-9091-4372-82F1-985A25292732}"/>
+              </a:ext>
+            </a:extLst>
+          </p:cNvPr>
+          <p:cNvGrpSpPr/>
+          <p:nvPr/>
+        </p:nvGrpSpPr>
+        <p:grpSpPr>
+          <a:xfrm>
+            <a:off x="635000" y="4167571"/>
+            <a:ext cx="3015744" cy="1172779"/>
+            <a:chOff x="635000" y="4167571"/>
+            <a:chExt cx="3015744" cy="1172779"/>
+          </a:xfrm>
+        </p:grpSpPr>
+        <p:sp>
+          <p:nvSpPr>
+            <p:cNvPr id="8" name="Rectangle 7"/>
+            <p:cNvSpPr/>
+            <p:nvPr/>
+          </p:nvSpPr>
+          <p:spPr>
+            <a:xfrm>
+              <a:off x="635000" y="4167571"/>
+              <a:ext cx="3015744" cy="1172779"/>
+            </a:xfrm>
+            <a:prstGeom prst="rect">
+              <a:avLst/>
+            </a:prstGeom>
+            <a:solidFill>
+              <a:schemeClr val="accent3"/>
+            </a:solidFill>
+            <a:ln>
+              <a:noFill/>
+            </a:ln>
+          </p:spPr>
+          <p:style>
+            <a:lnRef idx="2">
+              <a:schemeClr val="accent1">
+                <a:shade val="50000"/>
+              </a:schemeClr>
+            </a:lnRef>
+            <a:fillRef idx="1">
+              <a:schemeClr val="accent1"/>
+            </a:fillRef>
+            <a:effectRef idx="0">
+              <a:schemeClr val="accent1"/>
+            </a:effectRef>
+            <a:fontRef idx="minor">
+              <a:schemeClr val="lt1"/>
+            </a:fontRef>
+          </p:style>
+          <p:txBody>
+            <a:bodyPr rtlCol="0" anchor="ctr"/>
+            <a:lstStyle/>
+            <a:p>
+              <a:pPr marL="1206500"/>
+              <a:r>
+                <a:rPr lang="ko-KR" altLang="en-US" sz="1600" dirty="0">
+                  <a:solidFill>
+                    <a:schemeClr val="bg1"/>
+                  </a:solidFill>
+                </a:rPr>
+                <a:t>그래프를 통하여 시각적으로 예측 결과 확인</a:t>
+              </a:r>
+              <a:r>
+                <a:rPr lang="en-US" altLang="ko-KR" sz="1600" dirty="0">
+                  <a:solidFill>
+                    <a:schemeClr val="bg1"/>
+                  </a:solidFill>
+                </a:rPr>
+                <a:t> </a:t>
+              </a:r>
+            </a:p>
+          </p:txBody>
+        </p:sp>
+        <p:sp>
+          <p:nvSpPr>
+            <p:cNvPr id="15" name="Rectangle 14"/>
+            <p:cNvSpPr/>
+            <p:nvPr/>
+          </p:nvSpPr>
+          <p:spPr>
+            <a:xfrm>
+              <a:off x="635000" y="4167571"/>
+              <a:ext cx="1059944" cy="1172779"/>
+            </a:xfrm>
+            <a:prstGeom prst="rect">
+              <a:avLst/>
+            </a:prstGeom>
+            <a:solidFill>
+              <a:schemeClr val="accent3">
+                <a:lumMod val="75000"/>
+              </a:schemeClr>
+            </a:solidFill>
+            <a:ln>
+              <a:noFill/>
+            </a:ln>
+          </p:spPr>
+          <p:style>
+            <a:lnRef idx="2">
+              <a:schemeClr val="accent1">
+                <a:shade val="50000"/>
+              </a:schemeClr>
+            </a:lnRef>
+            <a:fillRef idx="1">
+              <a:schemeClr val="accent1"/>
+            </a:fillRef>
+            <a:effectRef idx="0">
+              <a:schemeClr val="accent1"/>
+            </a:effectRef>
+            <a:fontRef idx="minor">
+              <a:schemeClr val="lt1"/>
+            </a:fontRef>
+          </p:style>
+          <p:txBody>
+            <a:bodyPr rtlCol="0" anchor="ctr"/>
+            <a:lstStyle/>
+            <a:p>
+              <a:pPr algn="ctr"/>
+              <a:r>
+                <a:rPr lang="en-US" sz="3200" spc="-300" dirty="0">
+                  <a:latin typeface="Arial" panose="020B0604020202020204" pitchFamily="34" charset="0"/>
+                  <a:cs typeface="Arial" panose="020B0604020202020204" pitchFamily="34" charset="0"/>
+                </a:rPr>
+                <a:t>03</a:t>
+              </a:r>
+            </a:p>
+          </p:txBody>
+        </p:sp>
+      </p:grpSp>
+      <p:pic>
+        <p:nvPicPr>
+          <p:cNvPr id="23" name="그림 22">
+            <a:hlinkClick r:id="rId2"/>
+            <a:extLst>
+              <a:ext uri="{FF2B5EF4-FFF2-40B4-BE49-F238E27FC236}">
+                <a16:creationId xmlns:a16="http://schemas.microsoft.com/office/drawing/2014/main" id="{0631BB00-CEBF-442E-A868-FB252CB6FB57}"/>
+              </a:ext>
+            </a:extLst>
+          </p:cNvPr>
+          <p:cNvPicPr>
+            <a:picLocks noChangeAspect="1"/>
+          </p:cNvPicPr>
+          <p:nvPr/>
+        </p:nvPicPr>
+        <p:blipFill>
+          <a:blip r:embed="rId3" cstate="print">
+            <a:extLst>
+              <a:ext uri="{28A0092B-C50C-407E-A947-70E740481C1C}">
+                <a14:useLocalDpi xmlns:a14="http://schemas.microsoft.com/office/drawing/2010/main" val="0"/>
+              </a:ext>
+            </a:extLst>
+          </a:blip>
+          <a:stretch>
+            <a:fillRect/>
+          </a:stretch>
+        </p:blipFill>
+        <p:spPr>
+          <a:xfrm>
+            <a:off x="9193766" y="5565649"/>
+            <a:ext cx="496086" cy="436226"/>
+          </a:xfrm>
+          <a:prstGeom prst="rect">
+            <a:avLst/>
+          </a:prstGeom>
+        </p:spPr>
+      </p:pic>
+      <p:sp>
+        <p:nvSpPr>
+          <p:cNvPr id="9" name="슬라이드 번호 개체 틀 8">
+            <a:extLst>
+              <a:ext uri="{FF2B5EF4-FFF2-40B4-BE49-F238E27FC236}">
+                <a16:creationId xmlns:a16="http://schemas.microsoft.com/office/drawing/2014/main" id="{AC360308-F81A-44C2-85C4-FAD0899F3054}"/>
+              </a:ext>
+            </a:extLst>
+          </p:cNvPr>
+          <p:cNvSpPr>
+            <a:spLocks noGrp="1"/>
+          </p:cNvSpPr>
+          <p:nvPr>
+            <p:ph type="sldNum" sz="quarter" idx="12"/>
+          </p:nvPr>
+        </p:nvSpPr>
+        <p:spPr/>
+        <p:txBody>
+          <a:bodyPr/>
+          <a:lstStyle/>
+          <a:p>
+            <a:r>
+              <a:rPr lang="en-US" dirty="0"/>
+              <a:t>19</a:t>
+            </a:r>
+          </a:p>
+        </p:txBody>
+      </p:sp>
+      <p:sp>
+        <p:nvSpPr>
+          <p:cNvPr id="25" name="바닥글 개체 틀 10">
+            <a:extLst>
+              <a:ext uri="{FF2B5EF4-FFF2-40B4-BE49-F238E27FC236}">
+                <a16:creationId xmlns:a16="http://schemas.microsoft.com/office/drawing/2014/main" id="{375914A6-C5BE-453F-835A-B931BA067A01}"/>
+              </a:ext>
+            </a:extLst>
+          </p:cNvPr>
+          <p:cNvSpPr>
+            <a:spLocks noGrp="1"/>
+          </p:cNvSpPr>
+          <p:nvPr>
+            <p:ph type="ftr" sz="quarter" idx="11"/>
+          </p:nvPr>
+        </p:nvSpPr>
+        <p:spPr>
+          <a:xfrm>
+            <a:off x="8623069" y="6434667"/>
+            <a:ext cx="4114800" cy="365125"/>
+          </a:xfrm>
+        </p:spPr>
+        <p:txBody>
+          <a:bodyPr/>
+          <a:lstStyle/>
+          <a:p>
+            <a:r>
+              <a:rPr lang="en-US" altLang="ko-KR" dirty="0"/>
+              <a:t>Machine Learning</a:t>
+            </a:r>
+            <a:endParaRPr lang="en-US" dirty="0"/>
+          </a:p>
+        </p:txBody>
+      </p:sp>
+      <p:pic>
+        <p:nvPicPr>
+          <p:cNvPr id="26" name="그림 25">
+            <a:extLst>
+              <a:ext uri="{FF2B5EF4-FFF2-40B4-BE49-F238E27FC236}">
+                <a16:creationId xmlns:a16="http://schemas.microsoft.com/office/drawing/2014/main" id="{B03EBFB6-32D6-4063-B7A5-E7F7CDA9BFE7}"/>
+              </a:ext>
+            </a:extLst>
+          </p:cNvPr>
+          <p:cNvPicPr>
+            <a:picLocks noChangeAspect="1"/>
+          </p:cNvPicPr>
+          <p:nvPr/>
+        </p:nvPicPr>
+        <p:blipFill>
+          <a:blip r:embed="rId4">
+            <a:extLst>
+              <a:ext uri="{28A0092B-C50C-407E-A947-70E740481C1C}">
+                <a14:useLocalDpi xmlns:a14="http://schemas.microsoft.com/office/drawing/2010/main" val="0"/>
+              </a:ext>
+            </a:extLst>
+          </a:blip>
+          <a:stretch>
+            <a:fillRect/>
+          </a:stretch>
+        </p:blipFill>
+        <p:spPr>
+          <a:xfrm>
+            <a:off x="7456687" y="2204595"/>
+            <a:ext cx="3960730" cy="2286569"/>
+          </a:xfrm>
+          <a:prstGeom prst="rect">
+            <a:avLst/>
+          </a:prstGeom>
+        </p:spPr>
+      </p:pic>
+    </p:spTree>
+    <p:extLst>
+      <p:ext uri="{BB962C8B-B14F-4D97-AF65-F5344CB8AC3E}">
+        <p14:creationId xmlns:p14="http://schemas.microsoft.com/office/powerpoint/2010/main" val="2805483694"/>
+      </p:ext>
+    </p:extLst>
+  </p:cSld>
+  <p:clrMapOvr>
+    <a:masterClrMapping/>
+  </p:clrMapOvr>
+</p:sld>
+</file>
+
+<file path=ppt/slides/slide22.xml><?xml version="1.0" encoding="utf-8"?>
+<p:sld xmlns:a="http://schemas.openxmlformats.org/drawingml/2006/main" xmlns:r="http://schemas.openxmlformats.org/officeDocument/2006/relationships" xmlns:p="http://schemas.openxmlformats.org/presentationml/2006/main">
+  <p:cSld>
+    <p:spTree>
+      <p:nvGrpSpPr>
+        <p:cNvPr id="1" name=""/>
+        <p:cNvGrpSpPr/>
+        <p:nvPr/>
+      </p:nvGrpSpPr>
+      <p:grpSpPr>
+        <a:xfrm>
+          <a:off x="0" y="0"/>
+          <a:ext cx="0" cy="0"/>
+          <a:chOff x="0" y="0"/>
+          <a:chExt cx="0" cy="0"/>
+        </a:xfrm>
+      </p:grpSpPr>
+      <p:sp>
+        <p:nvSpPr>
+          <p:cNvPr id="6" name="Rectangle 5"/>
+          <p:cNvSpPr/>
+          <p:nvPr/>
+        </p:nvSpPr>
+        <p:spPr>
+          <a:xfrm>
+            <a:off x="635000" y="338298"/>
+            <a:ext cx="3015744" cy="1172779"/>
+          </a:xfrm>
+          <a:prstGeom prst="rect">
+            <a:avLst/>
+          </a:prstGeom>
+          <a:ln>
+            <a:noFill/>
+          </a:ln>
+        </p:spPr>
+        <p:style>
+          <a:lnRef idx="2">
+            <a:schemeClr val="accent1">
+              <a:shade val="50000"/>
+            </a:schemeClr>
+          </a:lnRef>
+          <a:fillRef idx="1">
+            <a:schemeClr val="accent1"/>
+          </a:fillRef>
+          <a:effectRef idx="0">
+            <a:schemeClr val="accent1"/>
+          </a:effectRef>
+          <a:fontRef idx="minor">
+            <a:schemeClr val="lt1"/>
+          </a:fontRef>
+        </p:style>
+        <p:txBody>
+          <a:bodyPr rtlCol="0" anchor="ctr"/>
+          <a:lstStyle/>
+          <a:p>
+            <a:pPr marL="1206500"/>
+            <a:r>
+              <a:rPr lang="ko-KR" altLang="en-US" sz="1600" dirty="0">
+                <a:solidFill>
+                  <a:schemeClr val="bg1"/>
+                </a:solidFill>
+              </a:rPr>
+              <a:t>순환 신경망</a:t>
+            </a:r>
+            <a:r>
+              <a:rPr lang="en-US" altLang="ko-KR" sz="1600" dirty="0">
+                <a:solidFill>
+                  <a:schemeClr val="bg1"/>
+                </a:solidFill>
+              </a:rPr>
+              <a:t>(RNN)</a:t>
+            </a:r>
+            <a:r>
+              <a:rPr lang="ko-KR" altLang="en-US" sz="1600" dirty="0">
+                <a:solidFill>
+                  <a:schemeClr val="bg1"/>
+                </a:solidFill>
+              </a:rPr>
+              <a:t>을 사용하여 예측</a:t>
+            </a:r>
+            <a:endParaRPr lang="en-US" altLang="ko-KR" sz="1600" dirty="0">
+              <a:solidFill>
+                <a:schemeClr val="bg1"/>
+              </a:solidFill>
+            </a:endParaRPr>
+          </a:p>
+        </p:txBody>
+      </p:sp>
+      <p:sp>
+        <p:nvSpPr>
+          <p:cNvPr id="13" name="Rectangle 12"/>
+          <p:cNvSpPr/>
+          <p:nvPr/>
+        </p:nvSpPr>
+        <p:spPr>
+          <a:xfrm>
+            <a:off x="635000" y="329909"/>
+            <a:ext cx="1059944" cy="1172779"/>
+          </a:xfrm>
+          <a:prstGeom prst="rect">
+            <a:avLst/>
+          </a:prstGeom>
+          <a:solidFill>
+            <a:schemeClr val="accent1">
+              <a:lumMod val="75000"/>
+            </a:schemeClr>
+          </a:solidFill>
+          <a:ln>
+            <a:noFill/>
+          </a:ln>
+        </p:spPr>
+        <p:style>
+          <a:lnRef idx="2">
+            <a:schemeClr val="accent1">
+              <a:shade val="50000"/>
+            </a:schemeClr>
+          </a:lnRef>
+          <a:fillRef idx="1">
+            <a:schemeClr val="accent1"/>
+          </a:fillRef>
+          <a:effectRef idx="0">
+            <a:schemeClr val="accent1"/>
+          </a:effectRef>
+          <a:fontRef idx="minor">
+            <a:schemeClr val="lt1"/>
+          </a:fontRef>
+        </p:style>
+        <p:txBody>
+          <a:bodyPr rtlCol="0" anchor="ctr"/>
+          <a:lstStyle/>
+          <a:p>
+            <a:pPr algn="ctr"/>
+            <a:r>
+              <a:rPr lang="en-US" sz="3200" spc="-300" dirty="0">
+                <a:latin typeface="Arial" panose="020B0604020202020204" pitchFamily="34" charset="0"/>
+                <a:cs typeface="Arial" panose="020B0604020202020204" pitchFamily="34" charset="0"/>
+              </a:rPr>
+              <a:t>01</a:t>
+            </a:r>
+          </a:p>
+        </p:txBody>
+      </p:sp>
+      <p:sp>
+        <p:nvSpPr>
+          <p:cNvPr id="22" name="Rectangle 2">
+            <a:extLst>
+              <a:ext uri="{FF2B5EF4-FFF2-40B4-BE49-F238E27FC236}">
+                <a16:creationId xmlns:a16="http://schemas.microsoft.com/office/drawing/2014/main" id="{04648B8B-6855-4729-A002-7FC7DD3DD8E0}"/>
+              </a:ext>
+            </a:extLst>
+          </p:cNvPr>
+          <p:cNvSpPr/>
+          <p:nvPr/>
+        </p:nvSpPr>
+        <p:spPr>
+          <a:xfrm>
+            <a:off x="8791661" y="338298"/>
+            <a:ext cx="3186149" cy="5978612"/>
+          </a:xfrm>
+          <a:prstGeom prst="rect">
+            <a:avLst/>
+          </a:prstGeom>
+          <a:solidFill>
+            <a:schemeClr val="tx2">
+              <a:lumMod val="50000"/>
+            </a:schemeClr>
+          </a:solidFill>
+          <a:ln>
+            <a:noFill/>
+          </a:ln>
+        </p:spPr>
+        <p:style>
+          <a:lnRef idx="2">
+            <a:schemeClr val="accent1">
+              <a:shade val="50000"/>
+            </a:schemeClr>
+          </a:lnRef>
+          <a:fillRef idx="1">
+            <a:schemeClr val="accent1"/>
+          </a:fillRef>
+          <a:effectRef idx="0">
+            <a:schemeClr val="accent1"/>
+          </a:effectRef>
+          <a:fontRef idx="minor">
+            <a:schemeClr val="lt1"/>
+          </a:fontRef>
+        </p:style>
+        <p:txBody>
+          <a:bodyPr rtlCol="0" anchor="ctr"/>
+          <a:lstStyle/>
+          <a:p>
+            <a:pPr marL="285750" indent="-285750">
+              <a:buFont typeface="Arial" panose="020B0604020202020204" pitchFamily="34" charset="0"/>
+              <a:buChar char="•"/>
+            </a:pPr>
+            <a:r>
+              <a:rPr lang="ko-KR" altLang="en-US" dirty="0"/>
+              <a:t>이전의 값들</a:t>
+            </a:r>
+            <a:r>
+              <a:rPr lang="en-US" altLang="ko-KR" dirty="0"/>
+              <a:t>(</a:t>
+            </a:r>
+            <a:r>
+              <a:rPr lang="ko-KR" altLang="en-US" dirty="0"/>
+              <a:t>가상 화폐의 이전 값</a:t>
+            </a:r>
+            <a:r>
+              <a:rPr lang="en-US" altLang="ko-KR" dirty="0"/>
+              <a:t>, </a:t>
+            </a:r>
+            <a:r>
+              <a:rPr lang="ko-KR" altLang="en-US" dirty="0"/>
+              <a:t>상한 값 등</a:t>
+            </a:r>
+            <a:r>
+              <a:rPr lang="en-US" altLang="ko-KR" dirty="0"/>
+              <a:t>..)</a:t>
+            </a:r>
+            <a:r>
+              <a:rPr lang="ko-KR" altLang="en-US" dirty="0"/>
+              <a:t>을 이용한 다음 값 예측을 위해 </a:t>
+            </a:r>
+            <a:r>
+              <a:rPr lang="en-US" altLang="ko-KR" dirty="0"/>
+              <a:t>RNNs</a:t>
+            </a:r>
+            <a:r>
+              <a:rPr lang="ko-KR" altLang="en-US" dirty="0"/>
+              <a:t>의 변형인 </a:t>
+            </a:r>
+            <a:r>
+              <a:rPr lang="en-US" altLang="ko-KR" dirty="0"/>
+              <a:t>LSTM </a:t>
+            </a:r>
+            <a:r>
+              <a:rPr lang="ko-KR" altLang="en-US" dirty="0"/>
+              <a:t>알고리즘 사용</a:t>
+            </a:r>
+            <a:endParaRPr lang="en-US" altLang="ko-KR" dirty="0"/>
+          </a:p>
+          <a:p>
+            <a:pPr marL="285750" indent="-285750">
+              <a:buFont typeface="Arial" panose="020B0604020202020204" pitchFamily="34" charset="0"/>
+              <a:buChar char="•"/>
+            </a:pPr>
+            <a:endParaRPr lang="en-US" altLang="ko-KR" dirty="0"/>
+          </a:p>
+          <a:p>
+            <a:pPr marL="285750" indent="-285750">
+              <a:buFont typeface="Arial" panose="020B0604020202020204" pitchFamily="34" charset="0"/>
+              <a:buChar char="•"/>
+            </a:pPr>
+            <a:r>
+              <a:rPr lang="ko-KR" altLang="en-US" dirty="0"/>
+              <a:t>활성 함수로 </a:t>
+            </a:r>
+            <a:r>
+              <a:rPr lang="en-US" altLang="ko-KR" dirty="0"/>
+              <a:t>linear(1</a:t>
+            </a:r>
+            <a:r>
+              <a:rPr lang="ko-KR" altLang="en-US" dirty="0"/>
+              <a:t>차 곡선</a:t>
+            </a:r>
+            <a:r>
+              <a:rPr lang="en-US" altLang="ko-KR" dirty="0"/>
+              <a:t>)</a:t>
+            </a:r>
+            <a:r>
+              <a:rPr lang="ko-KR" altLang="en-US" dirty="0"/>
+              <a:t>인 선형 함수를 사용했지만 후에 </a:t>
+            </a:r>
+            <a:r>
+              <a:rPr lang="en-US" altLang="ko-KR" dirty="0"/>
+              <a:t>Layer</a:t>
+            </a:r>
+            <a:r>
+              <a:rPr lang="ko-KR" altLang="en-US" dirty="0"/>
+              <a:t>가 깊어지면 </a:t>
+            </a:r>
+            <a:r>
+              <a:rPr lang="en-US" altLang="ko-KR" dirty="0"/>
+              <a:t>tanh </a:t>
+            </a:r>
+            <a:r>
+              <a:rPr lang="ko-KR" altLang="en-US" dirty="0"/>
+              <a:t>비선형 함수로 개발</a:t>
+            </a:r>
+            <a:endParaRPr lang="en-US" altLang="ko-KR" dirty="0"/>
+          </a:p>
+          <a:p>
+            <a:pPr marL="285750" indent="-285750">
+              <a:buFont typeface="Arial" panose="020B0604020202020204" pitchFamily="34" charset="0"/>
+              <a:buChar char="•"/>
+            </a:pPr>
+            <a:endParaRPr lang="en-US" altLang="ko-KR" dirty="0"/>
+          </a:p>
+          <a:p>
+            <a:pPr marL="285750" indent="-285750">
+              <a:buFont typeface="Arial" panose="020B0604020202020204" pitchFamily="34" charset="0"/>
+              <a:buChar char="•"/>
+            </a:pPr>
+            <a:r>
+              <a:rPr lang="en-US" altLang="ko-KR" dirty="0"/>
+              <a:t>Train</a:t>
+            </a:r>
+            <a:r>
+              <a:rPr lang="ko-KR" altLang="en-US" dirty="0"/>
+              <a:t>을 끝내고 </a:t>
+            </a:r>
+            <a:r>
+              <a:rPr lang="en-US" altLang="ko-KR" dirty="0"/>
+              <a:t>test</a:t>
+            </a:r>
+            <a:r>
+              <a:rPr lang="ko-KR" altLang="en-US" dirty="0"/>
+              <a:t>한 </a:t>
+            </a:r>
+            <a:r>
+              <a:rPr lang="en-US" altLang="ko-KR" dirty="0"/>
+              <a:t>Y</a:t>
+            </a:r>
+            <a:r>
+              <a:rPr lang="ko-KR" altLang="en-US" dirty="0"/>
+              <a:t>값</a:t>
+            </a:r>
+            <a:r>
+              <a:rPr lang="en-US" altLang="ko-KR" dirty="0"/>
+              <a:t>(</a:t>
+            </a:r>
+            <a:r>
+              <a:rPr lang="ko-KR" altLang="en-US" dirty="0"/>
+              <a:t>실제 값</a:t>
+            </a:r>
+            <a:r>
+              <a:rPr lang="en-US" altLang="ko-KR" dirty="0"/>
+              <a:t>)</a:t>
+            </a:r>
+            <a:r>
+              <a:rPr lang="ko-KR" altLang="en-US" dirty="0"/>
+              <a:t>과 </a:t>
+            </a:r>
+            <a:r>
+              <a:rPr lang="en-US" altLang="ko-KR" dirty="0"/>
+              <a:t>Predict(</a:t>
+            </a:r>
+            <a:r>
+              <a:rPr lang="ko-KR" altLang="en-US" dirty="0"/>
+              <a:t>예측 값</a:t>
+            </a:r>
+            <a:r>
+              <a:rPr lang="en-US" altLang="ko-KR" dirty="0"/>
+              <a:t>)</a:t>
+            </a:r>
+            <a:r>
+              <a:rPr lang="ko-KR" altLang="en-US" dirty="0"/>
+              <a:t>의 차이 값을 줄이기 위하여  한번 더 </a:t>
+            </a:r>
+            <a:r>
+              <a:rPr lang="en-US" altLang="ko-KR" dirty="0" err="1"/>
+              <a:t>MinMaxScalar</a:t>
+            </a:r>
+            <a:r>
+              <a:rPr lang="ko-KR" altLang="en-US" dirty="0"/>
+              <a:t>를 통하여 수치 안정화 </a:t>
+            </a:r>
+            <a:endParaRPr lang="en-US" altLang="ko-KR" dirty="0"/>
+          </a:p>
+        </p:txBody>
+      </p:sp>
+      <p:sp>
+        <p:nvSpPr>
+          <p:cNvPr id="2" name="슬라이드 번호 개체 틀 1">
+            <a:extLst>
+              <a:ext uri="{FF2B5EF4-FFF2-40B4-BE49-F238E27FC236}">
+                <a16:creationId xmlns:a16="http://schemas.microsoft.com/office/drawing/2014/main" id="{3C90FA24-B067-4553-9C34-83EB0B86447D}"/>
+              </a:ext>
+            </a:extLst>
+          </p:cNvPr>
+          <p:cNvSpPr>
+            <a:spLocks noGrp="1"/>
+          </p:cNvSpPr>
+          <p:nvPr>
+            <p:ph type="sldNum" sz="quarter" idx="12"/>
+          </p:nvPr>
+        </p:nvSpPr>
+        <p:spPr/>
+        <p:txBody>
+          <a:bodyPr/>
+          <a:lstStyle/>
+          <a:p>
+            <a:r>
+              <a:rPr lang="en-US" dirty="0"/>
+              <a:t>20</a:t>
+            </a:r>
+          </a:p>
+        </p:txBody>
+      </p:sp>
+      <p:sp>
+        <p:nvSpPr>
+          <p:cNvPr id="12" name="바닥글 개체 틀 10">
+            <a:extLst>
+              <a:ext uri="{FF2B5EF4-FFF2-40B4-BE49-F238E27FC236}">
+                <a16:creationId xmlns:a16="http://schemas.microsoft.com/office/drawing/2014/main" id="{5BDB472D-7DB7-4524-A543-B3CEC9B234CA}"/>
+              </a:ext>
+            </a:extLst>
+          </p:cNvPr>
+          <p:cNvSpPr>
+            <a:spLocks noGrp="1"/>
+          </p:cNvSpPr>
+          <p:nvPr>
+            <p:ph type="ftr" sz="quarter" idx="11"/>
+          </p:nvPr>
+        </p:nvSpPr>
+        <p:spPr>
+          <a:xfrm>
+            <a:off x="8623069" y="6434667"/>
+            <a:ext cx="4114800" cy="365125"/>
+          </a:xfrm>
+        </p:spPr>
+        <p:txBody>
+          <a:bodyPr/>
+          <a:lstStyle/>
+          <a:p>
+            <a:r>
+              <a:rPr lang="en-US" altLang="ko-KR" dirty="0"/>
+              <a:t>Machine Learning</a:t>
+            </a:r>
+          </a:p>
+        </p:txBody>
+      </p:sp>
+      <p:pic>
+        <p:nvPicPr>
+          <p:cNvPr id="4" name="그림 3">
+            <a:extLst>
+              <a:ext uri="{FF2B5EF4-FFF2-40B4-BE49-F238E27FC236}">
+                <a16:creationId xmlns:a16="http://schemas.microsoft.com/office/drawing/2014/main" id="{F6ED2CD8-D53B-4666-A5F9-885263FDB6FA}"/>
+              </a:ext>
+            </a:extLst>
+          </p:cNvPr>
+          <p:cNvPicPr>
+            <a:picLocks noChangeAspect="1"/>
+          </p:cNvPicPr>
+          <p:nvPr/>
+        </p:nvPicPr>
+        <p:blipFill>
+          <a:blip r:embed="rId2">
+            <a:extLst>
+              <a:ext uri="{28A0092B-C50C-407E-A947-70E740481C1C}">
+                <a14:useLocalDpi xmlns:a14="http://schemas.microsoft.com/office/drawing/2010/main" val="0"/>
+              </a:ext>
+            </a:extLst>
+          </a:blip>
+          <a:stretch>
+            <a:fillRect/>
+          </a:stretch>
+        </p:blipFill>
+        <p:spPr>
+          <a:xfrm>
+            <a:off x="635000" y="1659577"/>
+            <a:ext cx="3374938" cy="3857625"/>
+          </a:xfrm>
+          <a:prstGeom prst="rect">
+            <a:avLst/>
+          </a:prstGeom>
+        </p:spPr>
+      </p:pic>
+      <p:pic>
+        <p:nvPicPr>
+          <p:cNvPr id="7" name="그림 6">
+            <a:extLst>
+              <a:ext uri="{FF2B5EF4-FFF2-40B4-BE49-F238E27FC236}">
+                <a16:creationId xmlns:a16="http://schemas.microsoft.com/office/drawing/2014/main" id="{13BA8F4D-B58E-4B7C-9D0E-BE72080DFBF9}"/>
+              </a:ext>
+            </a:extLst>
+          </p:cNvPr>
+          <p:cNvPicPr>
+            <a:picLocks noChangeAspect="1"/>
+          </p:cNvPicPr>
+          <p:nvPr/>
+        </p:nvPicPr>
+        <p:blipFill>
+          <a:blip r:embed="rId3">
+            <a:extLst>
+              <a:ext uri="{28A0092B-C50C-407E-A947-70E740481C1C}">
+                <a14:useLocalDpi xmlns:a14="http://schemas.microsoft.com/office/drawing/2010/main" val="0"/>
+              </a:ext>
+            </a:extLst>
+          </a:blip>
+          <a:stretch>
+            <a:fillRect/>
+          </a:stretch>
+        </p:blipFill>
+        <p:spPr>
+          <a:xfrm>
+            <a:off x="4184232" y="1659577"/>
+            <a:ext cx="4165774" cy="4657333"/>
+          </a:xfrm>
+          <a:prstGeom prst="rect">
+            <a:avLst/>
+          </a:prstGeom>
+        </p:spPr>
+      </p:pic>
+    </p:spTree>
+    <p:extLst>
+      <p:ext uri="{BB962C8B-B14F-4D97-AF65-F5344CB8AC3E}">
+        <p14:creationId xmlns:p14="http://schemas.microsoft.com/office/powerpoint/2010/main" val="400909121"/>
+      </p:ext>
+    </p:extLst>
+  </p:cSld>
+  <p:clrMapOvr>
+    <a:masterClrMapping/>
+  </p:clrMapOvr>
+</p:sld>
+</file>
+
+<file path=ppt/slides/slide23.xml><?xml version="1.0" encoding="utf-8"?>
+<p:sld xmlns:a="http://schemas.openxmlformats.org/drawingml/2006/main" xmlns:r="http://schemas.openxmlformats.org/officeDocument/2006/relationships" xmlns:p="http://schemas.openxmlformats.org/presentationml/2006/main">
+  <p:cSld>
+    <p:spTree>
+      <p:nvGrpSpPr>
+        <p:cNvPr id="1" name=""/>
+        <p:cNvGrpSpPr/>
+        <p:nvPr/>
+      </p:nvGrpSpPr>
+      <p:grpSpPr>
+        <a:xfrm>
+          <a:off x="0" y="0"/>
+          <a:ext cx="0" cy="0"/>
+          <a:chOff x="0" y="0"/>
+          <a:chExt cx="0" cy="0"/>
+        </a:xfrm>
+      </p:grpSpPr>
+      <p:sp>
+        <p:nvSpPr>
+          <p:cNvPr id="22" name="Rectangle 2">
+            <a:extLst>
+              <a:ext uri="{FF2B5EF4-FFF2-40B4-BE49-F238E27FC236}">
+                <a16:creationId xmlns:a16="http://schemas.microsoft.com/office/drawing/2014/main" id="{04648B8B-6855-4729-A002-7FC7DD3DD8E0}"/>
+              </a:ext>
+            </a:extLst>
+          </p:cNvPr>
+          <p:cNvSpPr/>
+          <p:nvPr/>
+        </p:nvSpPr>
+        <p:spPr>
+          <a:xfrm>
+            <a:off x="8456102" y="406212"/>
+            <a:ext cx="3521710" cy="5744124"/>
+          </a:xfrm>
+          <a:prstGeom prst="rect">
+            <a:avLst/>
+          </a:prstGeom>
+          <a:solidFill>
+            <a:schemeClr val="tx2">
+              <a:lumMod val="50000"/>
+            </a:schemeClr>
+          </a:solidFill>
+          <a:ln>
+            <a:noFill/>
+          </a:ln>
+        </p:spPr>
+        <p:style>
+          <a:lnRef idx="2">
+            <a:schemeClr val="accent1">
+              <a:shade val="50000"/>
+            </a:schemeClr>
+          </a:lnRef>
+          <a:fillRef idx="1">
+            <a:schemeClr val="accent1"/>
+          </a:fillRef>
+          <a:effectRef idx="0">
+            <a:schemeClr val="accent1"/>
+          </a:effectRef>
+          <a:fontRef idx="minor">
+            <a:schemeClr val="lt1"/>
+          </a:fontRef>
+        </p:style>
+        <p:txBody>
+          <a:bodyPr rtlCol="0" anchor="ctr"/>
+          <a:lstStyle/>
+          <a:p>
+            <a:pPr marL="285750" indent="-285750">
+              <a:buFont typeface="Arial" panose="020B0604020202020204" pitchFamily="34" charset="0"/>
+              <a:buChar char="•"/>
+            </a:pPr>
+            <a:r>
+              <a:rPr lang="en-US" dirty="0" err="1"/>
+              <a:t>Coinone</a:t>
+            </a:r>
+            <a:r>
+              <a:rPr lang="en-US" dirty="0"/>
+              <a:t>(</a:t>
+            </a:r>
+            <a:r>
+              <a:rPr lang="ko-KR" altLang="en-US" dirty="0"/>
+              <a:t>가상 화폐 시장 사이트</a:t>
+            </a:r>
+            <a:r>
+              <a:rPr lang="en-US" altLang="ko-KR" dirty="0"/>
+              <a:t>)</a:t>
+            </a:r>
+            <a:r>
+              <a:rPr lang="ko-KR" altLang="en-US" dirty="0"/>
+              <a:t>에서 주는 객관적인 자료를 </a:t>
+            </a:r>
+            <a:r>
+              <a:rPr lang="en-US" altLang="ko-KR" dirty="0"/>
+              <a:t>API</a:t>
+            </a:r>
+            <a:r>
+              <a:rPr lang="ko-KR" altLang="en-US" dirty="0"/>
+              <a:t>로 받아서 높은 신뢰도로 개발</a:t>
+            </a:r>
+            <a:endParaRPr lang="en-US" altLang="ko-KR" dirty="0"/>
+          </a:p>
+          <a:p>
+            <a:pPr marL="285750" indent="-285750">
+              <a:buFont typeface="Arial" panose="020B0604020202020204" pitchFamily="34" charset="0"/>
+              <a:buChar char="•"/>
+            </a:pPr>
+            <a:endParaRPr lang="en-US" dirty="0"/>
+          </a:p>
+          <a:p>
+            <a:pPr marL="285750" indent="-285750">
+              <a:buFont typeface="Arial" panose="020B0604020202020204" pitchFamily="34" charset="0"/>
+              <a:buChar char="•"/>
+            </a:pPr>
+            <a:r>
+              <a:rPr lang="en-US" dirty="0"/>
+              <a:t>AWS</a:t>
+            </a:r>
+            <a:r>
+              <a:rPr lang="ko-KR" altLang="en-US" dirty="0"/>
+              <a:t>를 이용하여 물리적인 사용없이 서버를 계속적으로 동작하기 때문에 실시간 데이터 수집이 가능</a:t>
+            </a:r>
+            <a:endParaRPr lang="en-US" altLang="ko-KR" dirty="0"/>
+          </a:p>
+          <a:p>
+            <a:pPr marL="285750" indent="-285750">
+              <a:buFont typeface="Arial" panose="020B0604020202020204" pitchFamily="34" charset="0"/>
+              <a:buChar char="•"/>
+            </a:pPr>
+            <a:endParaRPr lang="en-US" dirty="0"/>
+          </a:p>
+          <a:p>
+            <a:pPr marL="285750" indent="-285750">
+              <a:buFont typeface="Arial" panose="020B0604020202020204" pitchFamily="34" charset="0"/>
+              <a:buChar char="•"/>
+            </a:pPr>
+            <a:r>
+              <a:rPr lang="en-US" dirty="0" err="1"/>
+              <a:t>AlchemySQL</a:t>
+            </a:r>
+            <a:r>
+              <a:rPr lang="ko-KR" altLang="en-US" dirty="0"/>
+              <a:t>의 </a:t>
+            </a:r>
+            <a:r>
+              <a:rPr lang="en-US" altLang="ko-KR" dirty="0"/>
+              <a:t>ORM </a:t>
+            </a:r>
+            <a:r>
+              <a:rPr lang="ko-KR" altLang="en-US" dirty="0"/>
+              <a:t>객체를 통해 받아온 </a:t>
+            </a:r>
+            <a:r>
+              <a:rPr lang="en-US" altLang="ko-KR" dirty="0"/>
+              <a:t>API</a:t>
+            </a:r>
+            <a:r>
+              <a:rPr lang="ko-KR" altLang="en-US" dirty="0"/>
+              <a:t>를 동적으로 테이블 생성</a:t>
+            </a:r>
+            <a:endParaRPr lang="en-US" altLang="ko-KR" dirty="0"/>
+          </a:p>
+          <a:p>
+            <a:pPr marL="285750" indent="-285750">
+              <a:buFont typeface="Arial" panose="020B0604020202020204" pitchFamily="34" charset="0"/>
+              <a:buChar char="•"/>
+            </a:pPr>
+            <a:endParaRPr lang="en-US" altLang="ko-KR" dirty="0"/>
+          </a:p>
+          <a:p>
+            <a:pPr marL="285750" indent="-285750">
+              <a:buFont typeface="Arial" panose="020B0604020202020204" pitchFamily="34" charset="0"/>
+              <a:buChar char="•"/>
+            </a:pPr>
+            <a:r>
+              <a:rPr lang="en-US" altLang="ko-KR" dirty="0" err="1"/>
+              <a:t>Mysql</a:t>
+            </a:r>
+            <a:r>
+              <a:rPr lang="en-US" altLang="ko-KR" dirty="0"/>
+              <a:t> DBMS</a:t>
+            </a:r>
+            <a:r>
+              <a:rPr lang="ko-KR" altLang="en-US" dirty="0"/>
+              <a:t>를 이용해 저장 후에 </a:t>
+            </a:r>
+            <a:r>
+              <a:rPr lang="en-US" altLang="ko-KR" dirty="0"/>
+              <a:t>csv</a:t>
+            </a:r>
+            <a:r>
+              <a:rPr lang="ko-KR" altLang="en-US" dirty="0"/>
+              <a:t>로 </a:t>
+            </a:r>
+            <a:r>
+              <a:rPr lang="en-US" altLang="ko-KR" dirty="0"/>
+              <a:t>Export </a:t>
+            </a:r>
+            <a:r>
+              <a:rPr lang="ko-KR" altLang="en-US" dirty="0"/>
+              <a:t>후 데이터로 사용 </a:t>
+            </a:r>
+            <a:endParaRPr lang="en-US" dirty="0"/>
+          </a:p>
+        </p:txBody>
+      </p:sp>
+      <p:sp>
+        <p:nvSpPr>
+          <p:cNvPr id="10" name="Rectangle 6">
+            <a:extLst>
+              <a:ext uri="{FF2B5EF4-FFF2-40B4-BE49-F238E27FC236}">
+                <a16:creationId xmlns:a16="http://schemas.microsoft.com/office/drawing/2014/main" id="{13684C0D-B62E-4CF9-AA03-F5FBF5679722}"/>
+              </a:ext>
+            </a:extLst>
+          </p:cNvPr>
+          <p:cNvSpPr/>
+          <p:nvPr/>
+        </p:nvSpPr>
+        <p:spPr>
+          <a:xfrm>
+            <a:off x="635000" y="340498"/>
+            <a:ext cx="3015744" cy="1172779"/>
+          </a:xfrm>
+          <a:prstGeom prst="rect">
+            <a:avLst/>
+          </a:prstGeom>
+          <a:solidFill>
+            <a:schemeClr val="accent2"/>
+          </a:solidFill>
+          <a:ln>
+            <a:noFill/>
+          </a:ln>
+        </p:spPr>
+        <p:style>
+          <a:lnRef idx="2">
+            <a:schemeClr val="accent1">
+              <a:shade val="50000"/>
+            </a:schemeClr>
+          </a:lnRef>
+          <a:fillRef idx="1">
+            <a:schemeClr val="accent1"/>
+          </a:fillRef>
+          <a:effectRef idx="0">
+            <a:schemeClr val="accent1"/>
+          </a:effectRef>
+          <a:fontRef idx="minor">
+            <a:schemeClr val="lt1"/>
+          </a:fontRef>
+        </p:style>
+        <p:txBody>
+          <a:bodyPr rtlCol="0" anchor="ctr"/>
+          <a:lstStyle/>
+          <a:p>
+            <a:pPr marL="1206500"/>
+            <a:r>
+              <a:rPr lang="ko-KR" altLang="en-US" dirty="0">
+                <a:solidFill>
+                  <a:schemeClr val="bg1"/>
+                </a:solidFill>
+              </a:rPr>
+              <a:t>실시간 데이터 수집 </a:t>
+            </a:r>
+            <a:endParaRPr lang="en-US" altLang="ko-KR" dirty="0">
+              <a:solidFill>
+                <a:schemeClr val="bg1"/>
+              </a:solidFill>
+            </a:endParaRPr>
+          </a:p>
+        </p:txBody>
+      </p:sp>
+      <p:sp>
+        <p:nvSpPr>
+          <p:cNvPr id="11" name="Rectangle 13">
+            <a:extLst>
+              <a:ext uri="{FF2B5EF4-FFF2-40B4-BE49-F238E27FC236}">
+                <a16:creationId xmlns:a16="http://schemas.microsoft.com/office/drawing/2014/main" id="{0A17BCB9-ACF1-496F-AEC8-25BF3DC1D00F}"/>
+              </a:ext>
+            </a:extLst>
+          </p:cNvPr>
+          <p:cNvSpPr/>
+          <p:nvPr/>
+        </p:nvSpPr>
+        <p:spPr>
+          <a:xfrm>
+            <a:off x="635000" y="340498"/>
+            <a:ext cx="1059944" cy="1172779"/>
+          </a:xfrm>
+          <a:prstGeom prst="rect">
+            <a:avLst/>
+          </a:prstGeom>
+          <a:solidFill>
+            <a:schemeClr val="accent2">
+              <a:lumMod val="75000"/>
+            </a:schemeClr>
+          </a:solidFill>
+          <a:ln>
+            <a:noFill/>
+          </a:ln>
+        </p:spPr>
+        <p:style>
+          <a:lnRef idx="2">
+            <a:schemeClr val="accent1">
+              <a:shade val="50000"/>
+            </a:schemeClr>
+          </a:lnRef>
+          <a:fillRef idx="1">
+            <a:schemeClr val="accent1"/>
+          </a:fillRef>
+          <a:effectRef idx="0">
+            <a:schemeClr val="accent1"/>
+          </a:effectRef>
+          <a:fontRef idx="minor">
+            <a:schemeClr val="lt1"/>
+          </a:fontRef>
+        </p:style>
+        <p:txBody>
+          <a:bodyPr rtlCol="0" anchor="ctr"/>
+          <a:lstStyle/>
+          <a:p>
+            <a:pPr algn="ctr"/>
+            <a:r>
+              <a:rPr lang="en-US" sz="3200" spc="-300" dirty="0">
+                <a:latin typeface="Arial" panose="020B0604020202020204" pitchFamily="34" charset="0"/>
+                <a:cs typeface="Arial" panose="020B0604020202020204" pitchFamily="34" charset="0"/>
+              </a:rPr>
+              <a:t>02</a:t>
+            </a:r>
+          </a:p>
+        </p:txBody>
+      </p:sp>
+      <p:sp>
+        <p:nvSpPr>
+          <p:cNvPr id="2" name="슬라이드 번호 개체 틀 1">
+            <a:extLst>
+              <a:ext uri="{FF2B5EF4-FFF2-40B4-BE49-F238E27FC236}">
+                <a16:creationId xmlns:a16="http://schemas.microsoft.com/office/drawing/2014/main" id="{0D31E639-AEA8-4A5D-8DA9-1A1E9714FFDB}"/>
+              </a:ext>
+            </a:extLst>
+          </p:cNvPr>
+          <p:cNvSpPr>
+            <a:spLocks noGrp="1"/>
+          </p:cNvSpPr>
+          <p:nvPr>
+            <p:ph type="sldNum" sz="quarter" idx="12"/>
+          </p:nvPr>
+        </p:nvSpPr>
+        <p:spPr/>
+        <p:txBody>
+          <a:bodyPr/>
+          <a:lstStyle/>
+          <a:p>
+            <a:r>
+              <a:rPr lang="en-US" dirty="0"/>
+              <a:t>21</a:t>
+            </a:r>
+          </a:p>
+        </p:txBody>
+      </p:sp>
+      <p:sp>
+        <p:nvSpPr>
+          <p:cNvPr id="15" name="바닥글 개체 틀 10">
+            <a:extLst>
+              <a:ext uri="{FF2B5EF4-FFF2-40B4-BE49-F238E27FC236}">
+                <a16:creationId xmlns:a16="http://schemas.microsoft.com/office/drawing/2014/main" id="{6A7F9F2E-58EA-41A3-B155-B00F519B56FD}"/>
+              </a:ext>
+            </a:extLst>
+          </p:cNvPr>
+          <p:cNvSpPr>
+            <a:spLocks noGrp="1"/>
+          </p:cNvSpPr>
+          <p:nvPr>
+            <p:ph type="ftr" sz="quarter" idx="11"/>
+          </p:nvPr>
+        </p:nvSpPr>
+        <p:spPr>
+          <a:xfrm>
+            <a:off x="8623069" y="6434667"/>
+            <a:ext cx="4114800" cy="365125"/>
+          </a:xfrm>
+        </p:spPr>
+        <p:txBody>
+          <a:bodyPr/>
+          <a:lstStyle/>
+          <a:p>
+            <a:r>
+              <a:rPr lang="en-US" altLang="ko-KR" dirty="0"/>
+              <a:t>Machine Learning</a:t>
+            </a:r>
+          </a:p>
+        </p:txBody>
+      </p:sp>
+      <p:cxnSp>
+        <p:nvCxnSpPr>
+          <p:cNvPr id="9" name="직선 화살표 연결선 8">
+            <a:extLst>
+              <a:ext uri="{FF2B5EF4-FFF2-40B4-BE49-F238E27FC236}">
+                <a16:creationId xmlns:a16="http://schemas.microsoft.com/office/drawing/2014/main" id="{676E5A59-43E4-49A1-AEEA-A5F2B7897AD3}"/>
+              </a:ext>
+            </a:extLst>
+          </p:cNvPr>
+          <p:cNvCxnSpPr>
+            <a:cxnSpLocks/>
+            <a:stCxn id="32" idx="3"/>
+            <a:endCxn id="24" idx="1"/>
+          </p:cNvCxnSpPr>
           <p:nvPr/>
         </p:nvCxnSpPr>
         <p:spPr>
-          <a:xfrm>
-            <a:off x="6937695" y="2281806"/>
-            <a:ext cx="2743200" cy="0"/>
+          <a:xfrm flipV="1">
+            <a:off x="2222970" y="2642110"/>
+            <a:ext cx="2602345" cy="16008"/>
           </a:xfrm>
-          <a:prstGeom prst="line">
+          <a:prstGeom prst="straightConnector1">
             <a:avLst/>
           </a:prstGeom>
-          <a:ln w="12700">
-            <a:solidFill>
-              <a:schemeClr val="tx1"/>
-            </a:solidFill>
-            <a:prstDash val="sysDot"/>
+          <a:ln w="28575">
+            <a:tailEnd type="triangle"/>
           </a:ln>
         </p:spPr>
         <p:style>
@@ -21694,10 +24835,10 @@
       </p:cxnSp>
       <p:sp>
         <p:nvSpPr>
-          <p:cNvPr id="32" name="TextBox 31">
+          <p:cNvPr id="14" name="TextBox 13">
             <a:extLst>
               <a:ext uri="{FF2B5EF4-FFF2-40B4-BE49-F238E27FC236}">
-                <a16:creationId xmlns:a16="http://schemas.microsoft.com/office/drawing/2014/main" id="{5EEAFD4E-3488-403D-BC87-10D5FAF3F127}"/>
+                <a16:creationId xmlns:a16="http://schemas.microsoft.com/office/drawing/2014/main" id="{F1D25F60-F13C-4333-8F63-55F118915F4F}"/>
               </a:ext>
             </a:extLst>
           </p:cNvPr>
@@ -21706,8 +24847,8 @@
         </p:nvSpPr>
         <p:spPr>
           <a:xfrm>
-            <a:off x="9813493" y="2042980"/>
-            <a:ext cx="581663" cy="461665"/>
+            <a:off x="2810313" y="2586182"/>
+            <a:ext cx="1182848" cy="369332"/>
           </a:xfrm>
           <a:prstGeom prst="rect">
             <a:avLst/>
@@ -21720,53 +24861,216 @@
           </a:bodyPr>
           <a:lstStyle/>
           <a:p>
-            <a:r>
-              <a:rPr lang="en-US" altLang="ko-KR" sz="2400" dirty="0">
+            <a:pPr algn="ctr"/>
+            <a:r>
+              <a:rPr lang="en-US" altLang="ko-KR" dirty="0">
                 <a:solidFill>
-                  <a:schemeClr val="tx1">
-                    <a:lumMod val="65000"/>
-                    <a:lumOff val="35000"/>
-                  </a:schemeClr>
+                  <a:srgbClr val="FF0000"/>
                 </a:solidFill>
               </a:rPr>
-              <a:t>1</a:t>
-            </a:r>
-            <a:endParaRPr lang="ko-KR" altLang="en-US" sz="2400" dirty="0">
+              <a:t>API</a:t>
+            </a:r>
+            <a:endParaRPr lang="ko-KR" altLang="en-US" dirty="0">
               <a:solidFill>
-                <a:schemeClr val="tx1">
-                  <a:lumMod val="65000"/>
-                  <a:lumOff val="35000"/>
-                </a:schemeClr>
+                <a:srgbClr val="FF0000"/>
               </a:solidFill>
             </a:endParaRPr>
           </a:p>
         </p:txBody>
       </p:sp>
-      <p:cxnSp>
-        <p:nvCxnSpPr>
-          <p:cNvPr id="33" name="직선 연결선 32">
+      <p:sp>
+        <p:nvSpPr>
+          <p:cNvPr id="16" name="사각형: 둥근 모서리 15">
             <a:extLst>
               <a:ext uri="{FF2B5EF4-FFF2-40B4-BE49-F238E27FC236}">
-                <a16:creationId xmlns:a16="http://schemas.microsoft.com/office/drawing/2014/main" id="{7A017FA3-90F2-49B6-8D60-F632F82842C7}"/>
+                <a16:creationId xmlns:a16="http://schemas.microsoft.com/office/drawing/2014/main" id="{5F64F082-B66E-4F5F-A55F-280D6AEA3913}"/>
               </a:ext>
             </a:extLst>
           </p:cNvPr>
-          <p:cNvCxnSpPr/>
+          <p:cNvSpPr/>
+          <p:nvPr/>
+        </p:nvSpPr>
+        <p:spPr>
+          <a:xfrm>
+            <a:off x="4538443" y="1702965"/>
+            <a:ext cx="3263317" cy="3707933"/>
+          </a:xfrm>
+          <a:prstGeom prst="roundRect">
+            <a:avLst/>
+          </a:prstGeom>
+          <a:noFill/>
+          <a:ln w="38100"/>
+        </p:spPr>
+        <p:style>
+          <a:lnRef idx="2">
+            <a:schemeClr val="accent1">
+              <a:shade val="50000"/>
+            </a:schemeClr>
+          </a:lnRef>
+          <a:fillRef idx="1">
+            <a:schemeClr val="accent1"/>
+          </a:fillRef>
+          <a:effectRef idx="0">
+            <a:schemeClr val="accent1"/>
+          </a:effectRef>
+          <a:fontRef idx="minor">
+            <a:schemeClr val="lt1"/>
+          </a:fontRef>
+        </p:style>
+        <p:txBody>
+          <a:bodyPr rtlCol="0" anchor="ctr"/>
+          <a:lstStyle/>
+          <a:p>
+            <a:pPr algn="ctr"/>
+            <a:endParaRPr lang="ko-KR" altLang="en-US"/>
+          </a:p>
+        </p:txBody>
+      </p:sp>
+      <p:pic>
+        <p:nvPicPr>
+          <p:cNvPr id="23" name="그림 22">
+            <a:extLst>
+              <a:ext uri="{FF2B5EF4-FFF2-40B4-BE49-F238E27FC236}">
+                <a16:creationId xmlns:a16="http://schemas.microsoft.com/office/drawing/2014/main" id="{1A660926-8AFC-4DE9-B06C-453BC2501323}"/>
+              </a:ext>
+            </a:extLst>
+          </p:cNvPr>
+          <p:cNvPicPr>
+            <a:picLocks noChangeAspect="1"/>
+          </p:cNvPicPr>
+          <p:nvPr/>
+        </p:nvPicPr>
+        <p:blipFill rotWithShape="1">
+          <a:blip r:embed="rId2" cstate="print">
+            <a:extLst>
+              <a:ext uri="{28A0092B-C50C-407E-A947-70E740481C1C}">
+                <a14:useLocalDpi xmlns:a14="http://schemas.microsoft.com/office/drawing/2010/main" val="0"/>
+              </a:ext>
+            </a:extLst>
+          </a:blip>
+          <a:srcRect l="22151" t="32783" r="19500" b="30520"/>
+          <a:stretch/>
+        </p:blipFill>
+        <p:spPr>
+          <a:xfrm>
+            <a:off x="4825315" y="1174669"/>
+            <a:ext cx="1493241" cy="939145"/>
+          </a:xfrm>
+          <a:prstGeom prst="rect">
+            <a:avLst/>
+          </a:prstGeom>
+        </p:spPr>
+      </p:pic>
+      <p:sp>
+        <p:nvSpPr>
+          <p:cNvPr id="24" name="TextBox 23">
+            <a:extLst>
+              <a:ext uri="{FF2B5EF4-FFF2-40B4-BE49-F238E27FC236}">
+                <a16:creationId xmlns:a16="http://schemas.microsoft.com/office/drawing/2014/main" id="{83E0CAEB-97D4-4DF5-846D-B9DE782FCAB0}"/>
+              </a:ext>
+            </a:extLst>
+          </p:cNvPr>
+          <p:cNvSpPr txBox="1"/>
+          <p:nvPr/>
+        </p:nvSpPr>
+        <p:spPr>
+          <a:xfrm>
+            <a:off x="4825315" y="2457444"/>
+            <a:ext cx="1644242" cy="369332"/>
+          </a:xfrm>
+          <a:prstGeom prst="rect">
+            <a:avLst/>
+          </a:prstGeom>
+        </p:spPr>
+        <p:style>
+          <a:lnRef idx="0">
+            <a:schemeClr val="accent1"/>
+          </a:lnRef>
+          <a:fillRef idx="3">
+            <a:schemeClr val="accent1"/>
+          </a:fillRef>
+          <a:effectRef idx="3">
+            <a:schemeClr val="accent1"/>
+          </a:effectRef>
+          <a:fontRef idx="minor">
+            <a:schemeClr val="lt1"/>
+          </a:fontRef>
+        </p:style>
+        <p:txBody>
+          <a:bodyPr wrap="square" rtlCol="0">
+            <a:spAutoFit/>
+          </a:bodyPr>
+          <a:lstStyle/>
+          <a:p>
+            <a:pPr algn="ctr"/>
+            <a:r>
+              <a:rPr lang="en-US" altLang="ko-KR" dirty="0" err="1"/>
+              <a:t>AlchemySQL</a:t>
+            </a:r>
+            <a:endParaRPr lang="ko-KR" altLang="en-US" dirty="0"/>
+          </a:p>
+        </p:txBody>
+      </p:sp>
+      <p:pic>
+        <p:nvPicPr>
+          <p:cNvPr id="27" name="그림 26">
+            <a:extLst>
+              <a:ext uri="{FF2B5EF4-FFF2-40B4-BE49-F238E27FC236}">
+                <a16:creationId xmlns:a16="http://schemas.microsoft.com/office/drawing/2014/main" id="{98B6839A-5427-4BE8-B5EF-086DEFFBAF08}"/>
+              </a:ext>
+            </a:extLst>
+          </p:cNvPr>
+          <p:cNvPicPr>
+            <a:picLocks noChangeAspect="1"/>
+          </p:cNvPicPr>
+          <p:nvPr/>
+        </p:nvPicPr>
+        <p:blipFill rotWithShape="1">
+          <a:blip r:embed="rId3">
+            <a:extLst>
+              <a:ext uri="{28A0092B-C50C-407E-A947-70E740481C1C}">
+                <a14:useLocalDpi xmlns:a14="http://schemas.microsoft.com/office/drawing/2010/main" val="0"/>
+              </a:ext>
+            </a:extLst>
+          </a:blip>
+          <a:srcRect l="18394" t="17040" r="19011" b="19731"/>
+          <a:stretch/>
+        </p:blipFill>
+        <p:spPr>
+          <a:xfrm>
+            <a:off x="5347980" y="4114982"/>
+            <a:ext cx="1627464" cy="1086193"/>
+          </a:xfrm>
+          <a:prstGeom prst="rect">
+            <a:avLst/>
+          </a:prstGeom>
+        </p:spPr>
+      </p:pic>
+      <p:cxnSp>
+        <p:nvCxnSpPr>
+          <p:cNvPr id="29" name="직선 화살표 연결선 28">
+            <a:extLst>
+              <a:ext uri="{FF2B5EF4-FFF2-40B4-BE49-F238E27FC236}">
+                <a16:creationId xmlns:a16="http://schemas.microsoft.com/office/drawing/2014/main" id="{0F8895B8-47CC-42D5-BFA1-8EF51D81617E}"/>
+              </a:ext>
+            </a:extLst>
+          </p:cNvPr>
+          <p:cNvCxnSpPr>
+            <a:stCxn id="24" idx="2"/>
+            <a:endCxn id="27" idx="0"/>
+          </p:cNvCxnSpPr>
           <p:nvPr/>
         </p:nvCxnSpPr>
         <p:spPr>
           <a:xfrm>
-            <a:off x="8441893" y="3588948"/>
-            <a:ext cx="2743200" cy="0"/>
+            <a:off x="5647436" y="2826776"/>
+            <a:ext cx="514276" cy="1288206"/>
           </a:xfrm>
-          <a:prstGeom prst="line">
+          <a:prstGeom prst="straightConnector1">
             <a:avLst/>
           </a:prstGeom>
-          <a:ln w="12700">
-            <a:solidFill>
-              <a:schemeClr val="tx1"/>
-            </a:solidFill>
-            <a:prstDash val="sysDot"/>
+          <a:ln w="28575">
+            <a:tailEnd type="triangle"/>
           </a:ln>
         </p:spPr>
         <p:style>
@@ -21786,10 +25090,10 @@
       </p:cxnSp>
       <p:sp>
         <p:nvSpPr>
-          <p:cNvPr id="34" name="TextBox 33">
+          <p:cNvPr id="30" name="TextBox 29">
             <a:extLst>
               <a:ext uri="{FF2B5EF4-FFF2-40B4-BE49-F238E27FC236}">
-                <a16:creationId xmlns:a16="http://schemas.microsoft.com/office/drawing/2014/main" id="{16021B8E-76DA-4490-8A19-7E4BFE9061D3}"/>
+                <a16:creationId xmlns:a16="http://schemas.microsoft.com/office/drawing/2014/main" id="{7D1AFDAE-BC0E-43C3-87C3-BB214789A398}"/>
               </a:ext>
             </a:extLst>
           </p:cNvPr>
@@ -21798,8 +25102,8 @@
         </p:nvSpPr>
         <p:spPr>
           <a:xfrm>
-            <a:off x="11317691" y="3358511"/>
-            <a:ext cx="581663" cy="461665"/>
+            <a:off x="6425967" y="2482611"/>
+            <a:ext cx="1115736" cy="338554"/>
           </a:xfrm>
           <a:prstGeom prst="rect">
             <a:avLst/>
@@ -21813,10 +25117,87 @@
           <a:lstStyle/>
           <a:p>
             <a:r>
-              <a:rPr lang="en-US" altLang="ko-KR" sz="2400" dirty="0"/>
-              <a:t>6</a:t>
-            </a:r>
-            <a:endParaRPr lang="ko-KR" altLang="en-US" sz="2400" dirty="0"/>
+              <a:rPr lang="ko-KR" altLang="en-US" sz="1600" dirty="0">
+                <a:solidFill>
+                  <a:srgbClr val="FF0000"/>
+                </a:solidFill>
+              </a:rPr>
+              <a:t>모델 처리</a:t>
+            </a:r>
+          </a:p>
+        </p:txBody>
+      </p:sp>
+      <p:pic>
+        <p:nvPicPr>
+          <p:cNvPr id="32" name="그림 31">
+            <a:extLst>
+              <a:ext uri="{FF2B5EF4-FFF2-40B4-BE49-F238E27FC236}">
+                <a16:creationId xmlns:a16="http://schemas.microsoft.com/office/drawing/2014/main" id="{3E73F7C5-8A3F-4940-8284-51D05A5DFC6F}"/>
+              </a:ext>
+            </a:extLst>
+          </p:cNvPr>
+          <p:cNvPicPr>
+            <a:picLocks noChangeAspect="1"/>
+          </p:cNvPicPr>
+          <p:nvPr/>
+        </p:nvPicPr>
+        <p:blipFill rotWithShape="1">
+          <a:blip r:embed="rId4">
+            <a:extLst>
+              <a:ext uri="{28A0092B-C50C-407E-A947-70E740481C1C}">
+                <a14:useLocalDpi xmlns:a14="http://schemas.microsoft.com/office/drawing/2010/main" val="0"/>
+              </a:ext>
+            </a:extLst>
+          </a:blip>
+          <a:srcRect l="5838" t="24372" r="5884" b="37576"/>
+          <a:stretch/>
+        </p:blipFill>
+        <p:spPr>
+          <a:xfrm>
+            <a:off x="589326" y="2457444"/>
+            <a:ext cx="1633644" cy="401347"/>
+          </a:xfrm>
+          <a:prstGeom prst="rect">
+            <a:avLst/>
+          </a:prstGeom>
+        </p:spPr>
+      </p:pic>
+      <p:sp>
+        <p:nvSpPr>
+          <p:cNvPr id="33" name="TextBox 32">
+            <a:extLst>
+              <a:ext uri="{FF2B5EF4-FFF2-40B4-BE49-F238E27FC236}">
+                <a16:creationId xmlns:a16="http://schemas.microsoft.com/office/drawing/2014/main" id="{F81FAC9D-2058-48C6-B7B3-93841FCF502C}"/>
+              </a:ext>
+            </a:extLst>
+          </p:cNvPr>
+          <p:cNvSpPr txBox="1"/>
+          <p:nvPr/>
+        </p:nvSpPr>
+        <p:spPr>
+          <a:xfrm>
+            <a:off x="4749701" y="4314013"/>
+            <a:ext cx="1303722" cy="338554"/>
+          </a:xfrm>
+          <a:prstGeom prst="rect">
+            <a:avLst/>
+          </a:prstGeom>
+          <a:noFill/>
+        </p:spPr>
+        <p:txBody>
+          <a:bodyPr wrap="square" rtlCol="0">
+            <a:spAutoFit/>
+          </a:bodyPr>
+          <a:lstStyle/>
+          <a:p>
+            <a:r>
+              <a:rPr lang="ko-KR" altLang="en-US" sz="1600" dirty="0">
+                <a:solidFill>
+                  <a:srgbClr val="FF0000"/>
+                </a:solidFill>
+              </a:rPr>
+              <a:t>데이터 저장</a:t>
+            </a:r>
           </a:p>
         </p:txBody>
       </p:sp>
@@ -21825,26 +25206,163 @@
           <p:cNvPr id="35" name="직선 연결선 34">
             <a:extLst>
               <a:ext uri="{FF2B5EF4-FFF2-40B4-BE49-F238E27FC236}">
-                <a16:creationId xmlns:a16="http://schemas.microsoft.com/office/drawing/2014/main" id="{5FA9A304-B05E-4A7C-924F-0E82DBB2AAEA}"/>
+                <a16:creationId xmlns:a16="http://schemas.microsoft.com/office/drawing/2014/main" id="{6E153542-027B-4E05-BFBC-2A0CB1706995}"/>
               </a:ext>
             </a:extLst>
           </p:cNvPr>
-          <p:cNvCxnSpPr/>
+          <p:cNvCxnSpPr>
+            <a:cxnSpLocks/>
+            <a:stCxn id="14" idx="2"/>
+            <a:endCxn id="36" idx="0"/>
+          </p:cNvCxnSpPr>
           <p:nvPr/>
         </p:nvCxnSpPr>
         <p:spPr>
-          <a:xfrm>
-            <a:off x="7274517" y="4836875"/>
-            <a:ext cx="2743200" cy="0"/>
+          <a:xfrm flipH="1">
+            <a:off x="2199445" y="2955514"/>
+            <a:ext cx="1202292" cy="769380"/>
           </a:xfrm>
           <a:prstGeom prst="line">
             <a:avLst/>
           </a:prstGeom>
-          <a:ln w="12700">
-            <a:solidFill>
-              <a:schemeClr val="tx1"/>
-            </a:solidFill>
-            <a:prstDash val="sysDot"/>
+          <a:ln w="28575"/>
+        </p:spPr>
+        <p:style>
+          <a:lnRef idx="1">
+            <a:schemeClr val="accent4"/>
+          </a:lnRef>
+          <a:fillRef idx="0">
+            <a:schemeClr val="accent4"/>
+          </a:fillRef>
+          <a:effectRef idx="0">
+            <a:schemeClr val="accent4"/>
+          </a:effectRef>
+          <a:fontRef idx="minor">
+            <a:schemeClr val="tx1"/>
+          </a:fontRef>
+        </p:style>
+      </p:cxnSp>
+      <p:sp>
+        <p:nvSpPr>
+          <p:cNvPr id="36" name="사각형: 둥근 모서리 35">
+            <a:extLst>
+              <a:ext uri="{FF2B5EF4-FFF2-40B4-BE49-F238E27FC236}">
+                <a16:creationId xmlns:a16="http://schemas.microsoft.com/office/drawing/2014/main" id="{07AA765D-ECDA-493A-85B2-21DB00BD4292}"/>
+              </a:ext>
+            </a:extLst>
+          </p:cNvPr>
+          <p:cNvSpPr/>
+          <p:nvPr/>
+        </p:nvSpPr>
+        <p:spPr>
+          <a:xfrm>
+            <a:off x="634897" y="3724894"/>
+            <a:ext cx="3129095" cy="796954"/>
+          </a:xfrm>
+          <a:prstGeom prst="roundRect">
+            <a:avLst/>
+          </a:prstGeom>
+        </p:spPr>
+        <p:style>
+          <a:lnRef idx="1">
+            <a:schemeClr val="accent4"/>
+          </a:lnRef>
+          <a:fillRef idx="3">
+            <a:schemeClr val="accent4"/>
+          </a:fillRef>
+          <a:effectRef idx="2">
+            <a:schemeClr val="accent4"/>
+          </a:effectRef>
+          <a:fontRef idx="minor">
+            <a:schemeClr val="lt1"/>
+          </a:fontRef>
+        </p:style>
+        <p:txBody>
+          <a:bodyPr rtlCol="0" anchor="ctr"/>
+          <a:lstStyle/>
+          <a:p>
+            <a:pPr algn="ctr"/>
+            <a:r>
+              <a:rPr lang="ko-KR" altLang="en-US" sz="1400" dirty="0"/>
+              <a:t>실시간으로 </a:t>
+            </a:r>
+            <a:endParaRPr lang="en-US" altLang="ko-KR" sz="1400" dirty="0"/>
+          </a:p>
+          <a:p>
+            <a:pPr algn="ctr"/>
+            <a:r>
+              <a:rPr lang="ko-KR" altLang="en-US" sz="1400" dirty="0"/>
+              <a:t>상한</a:t>
+            </a:r>
+            <a:r>
+              <a:rPr lang="en-US" altLang="ko-KR" sz="1400" dirty="0"/>
+              <a:t>(High), </a:t>
+            </a:r>
+            <a:r>
+              <a:rPr lang="ko-KR" altLang="en-US" sz="1400" dirty="0"/>
+              <a:t>하한</a:t>
+            </a:r>
+            <a:r>
+              <a:rPr lang="en-US" altLang="ko-KR" sz="1400" dirty="0"/>
+              <a:t>(Low), </a:t>
+            </a:r>
+            <a:r>
+              <a:rPr lang="ko-KR" altLang="en-US" sz="1400" dirty="0"/>
+              <a:t>볼륨</a:t>
+            </a:r>
+            <a:r>
+              <a:rPr lang="en-US" altLang="ko-KR" sz="1400" dirty="0"/>
+              <a:t>(Volume), </a:t>
+            </a:r>
+            <a:r>
+              <a:rPr lang="ko-KR" altLang="en-US" sz="1400" dirty="0"/>
+              <a:t>처음 값</a:t>
+            </a:r>
+            <a:r>
+              <a:rPr lang="en-US" altLang="ko-KR" sz="1400" dirty="0"/>
+              <a:t>(First), </a:t>
+            </a:r>
+            <a:r>
+              <a:rPr lang="ko-KR" altLang="en-US" sz="1400" dirty="0"/>
+              <a:t>이전 값</a:t>
+            </a:r>
+            <a:r>
+              <a:rPr lang="en-US" altLang="ko-KR" sz="1400" dirty="0"/>
+              <a:t>(Last) </a:t>
+            </a:r>
+            <a:r>
+              <a:rPr lang="ko-KR" altLang="en-US" sz="1400" dirty="0"/>
+              <a:t>등 제공</a:t>
+            </a:r>
+            <a:endParaRPr lang="en-US" altLang="ko-KR" sz="1400" dirty="0"/>
+          </a:p>
+        </p:txBody>
+      </p:sp>
+      <p:cxnSp>
+        <p:nvCxnSpPr>
+          <p:cNvPr id="44" name="직선 화살표 연결선 43">
+            <a:extLst>
+              <a:ext uri="{FF2B5EF4-FFF2-40B4-BE49-F238E27FC236}">
+                <a16:creationId xmlns:a16="http://schemas.microsoft.com/office/drawing/2014/main" id="{C30B7BCB-5B93-4708-8115-4791AFB1687F}"/>
+              </a:ext>
+            </a:extLst>
+          </p:cNvPr>
+          <p:cNvCxnSpPr>
+            <a:cxnSpLocks/>
+            <a:stCxn id="27" idx="1"/>
+          </p:cNvCxnSpPr>
+          <p:nvPr/>
+        </p:nvCxnSpPr>
+        <p:spPr>
+          <a:xfrm flipH="1">
+            <a:off x="3245205" y="4658079"/>
+            <a:ext cx="2102775" cy="742127"/>
+          </a:xfrm>
+          <a:prstGeom prst="straightConnector1">
+            <a:avLst/>
+          </a:prstGeom>
+          <a:ln>
+            <a:tailEnd type="triangle"/>
           </a:ln>
         </p:spPr>
         <p:style>
@@ -21864,10 +25382,10 @@
       </p:cxnSp>
       <p:sp>
         <p:nvSpPr>
-          <p:cNvPr id="36" name="TextBox 35">
+          <p:cNvPr id="45" name="TextBox 44">
             <a:extLst>
               <a:ext uri="{FF2B5EF4-FFF2-40B4-BE49-F238E27FC236}">
-                <a16:creationId xmlns:a16="http://schemas.microsoft.com/office/drawing/2014/main" id="{6036A2FB-4871-4C0E-946F-4CE680C6CD02}"/>
+                <a16:creationId xmlns:a16="http://schemas.microsoft.com/office/drawing/2014/main" id="{1E9273F6-5E1C-4463-B9D9-902F0F802048}"/>
               </a:ext>
             </a:extLst>
           </p:cNvPr>
@@ -21876,8 +25394,8 @@
         </p:nvSpPr>
         <p:spPr>
           <a:xfrm>
-            <a:off x="10150315" y="4606438"/>
-            <a:ext cx="581663" cy="461665"/>
+            <a:off x="3865991" y="5078429"/>
+            <a:ext cx="1303722" cy="338554"/>
           </a:xfrm>
           <a:prstGeom prst="rect">
             <a:avLst/>
@@ -21891,17 +25409,75 @@
           <a:lstStyle/>
           <a:p>
             <a:r>
-              <a:rPr lang="en-US" altLang="ko-KR" sz="2400" dirty="0"/>
-              <a:t>10</a:t>
-            </a:r>
-            <a:endParaRPr lang="ko-KR" altLang="en-US" sz="2400" dirty="0"/>
+              <a:rPr lang="en-US" altLang="ko-KR" sz="1600" dirty="0">
+                <a:solidFill>
+                  <a:srgbClr val="FF0000"/>
+                </a:solidFill>
+              </a:rPr>
+              <a:t>Export</a:t>
+            </a:r>
+            <a:endParaRPr lang="ko-KR" altLang="en-US" sz="1600" dirty="0">
+              <a:solidFill>
+                <a:srgbClr val="FF0000"/>
+              </a:solidFill>
+            </a:endParaRPr>
+          </a:p>
+        </p:txBody>
+      </p:sp>
+      <p:sp>
+        <p:nvSpPr>
+          <p:cNvPr id="47" name="TextBox 46">
+            <a:extLst>
+              <a:ext uri="{FF2B5EF4-FFF2-40B4-BE49-F238E27FC236}">
+                <a16:creationId xmlns:a16="http://schemas.microsoft.com/office/drawing/2014/main" id="{06784E55-B5C6-48B8-86E5-0A81E35D685D}"/>
+              </a:ext>
+            </a:extLst>
+          </p:cNvPr>
+          <p:cNvSpPr txBox="1"/>
+          <p:nvPr/>
+        </p:nvSpPr>
+        <p:spPr>
+          <a:xfrm>
+            <a:off x="2340527" y="5174459"/>
+            <a:ext cx="904677" cy="400110"/>
+          </a:xfrm>
+          <a:prstGeom prst="rect">
+            <a:avLst/>
+          </a:prstGeom>
+        </p:spPr>
+        <p:style>
+          <a:lnRef idx="0">
+            <a:schemeClr val="accent1"/>
+          </a:lnRef>
+          <a:fillRef idx="3">
+            <a:schemeClr val="accent1"/>
+          </a:fillRef>
+          <a:effectRef idx="3">
+            <a:schemeClr val="accent1"/>
+          </a:effectRef>
+          <a:fontRef idx="minor">
+            <a:schemeClr val="lt1"/>
+          </a:fontRef>
+        </p:style>
+        <p:txBody>
+          <a:bodyPr wrap="square" rtlCol="0">
+            <a:spAutoFit/>
+          </a:bodyPr>
+          <a:lstStyle/>
+          <a:p>
+            <a:pPr algn="ctr"/>
+            <a:r>
+              <a:rPr lang="en-US" altLang="ko-KR" sz="2000" dirty="0"/>
+              <a:t>.csv</a:t>
+            </a:r>
+            <a:endParaRPr lang="ko-KR" altLang="en-US" sz="2000" dirty="0"/>
           </a:p>
         </p:txBody>
       </p:sp>
     </p:spTree>
     <p:extLst>
       <p:ext uri="{BB962C8B-B14F-4D97-AF65-F5344CB8AC3E}">
-        <p14:creationId xmlns:p14="http://schemas.microsoft.com/office/powerpoint/2010/main" val="178339968"/>
+        <p14:creationId xmlns:p14="http://schemas.microsoft.com/office/powerpoint/2010/main" val="1693242094"/>
       </p:ext>
     </p:extLst>
   </p:cSld>
@@ -21911,7 +25487,859 @@
 </p:sld>
 </file>
 
-<file path=ppt/slides/slide20.xml><?xml version="1.0" encoding="utf-8"?>
+<file path=ppt/slides/slide24.xml><?xml version="1.0" encoding="utf-8"?>
+<p:sld xmlns:a="http://schemas.openxmlformats.org/drawingml/2006/main" xmlns:r="http://schemas.openxmlformats.org/officeDocument/2006/relationships" xmlns:p="http://schemas.openxmlformats.org/presentationml/2006/main">
+  <p:cSld>
+    <p:spTree>
+      <p:nvGrpSpPr>
+        <p:cNvPr id="1" name=""/>
+        <p:cNvGrpSpPr/>
+        <p:nvPr/>
+      </p:nvGrpSpPr>
+      <p:grpSpPr>
+        <a:xfrm>
+          <a:off x="0" y="0"/>
+          <a:ext cx="0" cy="0"/>
+          <a:chOff x="0" y="0"/>
+          <a:chExt cx="0" cy="0"/>
+        </a:xfrm>
+      </p:grpSpPr>
+      <p:sp>
+        <p:nvSpPr>
+          <p:cNvPr id="22" name="Rectangle 2">
+            <a:extLst>
+              <a:ext uri="{FF2B5EF4-FFF2-40B4-BE49-F238E27FC236}">
+                <a16:creationId xmlns:a16="http://schemas.microsoft.com/office/drawing/2014/main" id="{04648B8B-6855-4729-A002-7FC7DD3DD8E0}"/>
+              </a:ext>
+            </a:extLst>
+          </p:cNvPr>
+          <p:cNvSpPr/>
+          <p:nvPr/>
+        </p:nvSpPr>
+        <p:spPr>
+          <a:xfrm>
+            <a:off x="8439325" y="423152"/>
+            <a:ext cx="3562410" cy="5759534"/>
+          </a:xfrm>
+          <a:prstGeom prst="rect">
+            <a:avLst/>
+          </a:prstGeom>
+          <a:solidFill>
+            <a:schemeClr val="tx2">
+              <a:lumMod val="50000"/>
+            </a:schemeClr>
+          </a:solidFill>
+          <a:ln>
+            <a:noFill/>
+          </a:ln>
+        </p:spPr>
+        <p:style>
+          <a:lnRef idx="2">
+            <a:schemeClr val="accent1">
+              <a:shade val="50000"/>
+            </a:schemeClr>
+          </a:lnRef>
+          <a:fillRef idx="1">
+            <a:schemeClr val="accent1"/>
+          </a:fillRef>
+          <a:effectRef idx="0">
+            <a:schemeClr val="accent1"/>
+          </a:effectRef>
+          <a:fontRef idx="minor">
+            <a:schemeClr val="lt1"/>
+          </a:fontRef>
+        </p:style>
+        <p:txBody>
+          <a:bodyPr rtlCol="0" anchor="ctr"/>
+          <a:lstStyle/>
+          <a:p>
+            <a:pPr marL="285750" indent="-285750">
+              <a:buFont typeface="Arial" panose="020B0604020202020204" pitchFamily="34" charset="0"/>
+              <a:buChar char="•"/>
+            </a:pPr>
+            <a:r>
+              <a:rPr lang="en-US" dirty="0" err="1"/>
+              <a:t>Matplotlib</a:t>
+            </a:r>
+            <a:r>
+              <a:rPr lang="en-US" dirty="0"/>
+              <a:t> </a:t>
+            </a:r>
+            <a:r>
+              <a:rPr lang="ko-KR" altLang="en-US" dirty="0"/>
+              <a:t>라이브러리를 통해 예측 값을 그래프로 표현</a:t>
+            </a:r>
+            <a:endParaRPr lang="en-US" altLang="ko-KR" dirty="0"/>
+          </a:p>
+          <a:p>
+            <a:pPr marL="285750" indent="-285750">
+              <a:buFont typeface="Arial" panose="020B0604020202020204" pitchFamily="34" charset="0"/>
+              <a:buChar char="•"/>
+            </a:pPr>
+            <a:endParaRPr lang="en-US" dirty="0"/>
+          </a:p>
+          <a:p>
+            <a:pPr marL="285750" indent="-285750">
+              <a:buFont typeface="Arial" panose="020B0604020202020204" pitchFamily="34" charset="0"/>
+              <a:buChar char="•"/>
+            </a:pPr>
+            <a:r>
+              <a:rPr lang="ko-KR" altLang="en-US" dirty="0"/>
+              <a:t>실제 값과 비교해 가격의 차이가 있지만 상</a:t>
+            </a:r>
+            <a:r>
+              <a:rPr lang="en-US" altLang="ko-KR" dirty="0"/>
+              <a:t>/</a:t>
+            </a:r>
+            <a:r>
+              <a:rPr lang="ko-KR" altLang="en-US" dirty="0"/>
+              <a:t>하향 곡선의 예측치는 거의 정확함</a:t>
+            </a:r>
+            <a:endParaRPr lang="en-US" altLang="ko-KR" dirty="0"/>
+          </a:p>
+          <a:p>
+            <a:pPr marL="285750" indent="-285750">
+              <a:buFont typeface="Arial" panose="020B0604020202020204" pitchFamily="34" charset="0"/>
+              <a:buChar char="•"/>
+            </a:pPr>
+            <a:endParaRPr lang="en-US" altLang="ko-KR" dirty="0"/>
+          </a:p>
+          <a:p>
+            <a:pPr marL="285750" indent="-285750">
+              <a:buFont typeface="Arial" panose="020B0604020202020204" pitchFamily="34" charset="0"/>
+              <a:buChar char="•"/>
+            </a:pPr>
+            <a:r>
+              <a:rPr lang="ko-KR" altLang="en-US" dirty="0"/>
+              <a:t>결과적으로 보았을 때</a:t>
+            </a:r>
+            <a:r>
+              <a:rPr lang="en-US" altLang="ko-KR" dirty="0"/>
+              <a:t>, </a:t>
+            </a:r>
+            <a:r>
+              <a:rPr lang="ko-KR" altLang="en-US" dirty="0"/>
+              <a:t>데이터 수치가 얼마 되지 않는 것에 비해서</a:t>
+            </a:r>
+            <a:r>
+              <a:rPr lang="en-US" altLang="ko-KR" dirty="0"/>
+              <a:t>(</a:t>
+            </a:r>
+            <a:r>
+              <a:rPr lang="ko-KR" altLang="en-US" dirty="0"/>
+              <a:t>약 </a:t>
+            </a:r>
+            <a:r>
+              <a:rPr lang="en-US" altLang="ko-KR" dirty="0"/>
+              <a:t>2800</a:t>
+            </a:r>
+            <a:r>
+              <a:rPr lang="ko-KR" altLang="en-US" dirty="0"/>
+              <a:t>개</a:t>
+            </a:r>
+            <a:r>
+              <a:rPr lang="en-US" altLang="ko-KR" dirty="0"/>
+              <a:t>)</a:t>
+            </a:r>
+            <a:r>
+              <a:rPr lang="ko-KR" altLang="en-US" dirty="0"/>
+              <a:t>높은 정확도를 보이는 것을 알 수 있음</a:t>
+            </a:r>
+            <a:endParaRPr lang="en-US" altLang="ko-KR" dirty="0"/>
+          </a:p>
+          <a:p>
+            <a:pPr marL="285750" indent="-285750">
+              <a:buFont typeface="Arial" panose="020B0604020202020204" pitchFamily="34" charset="0"/>
+              <a:buChar char="•"/>
+            </a:pPr>
+            <a:endParaRPr lang="en-US" dirty="0"/>
+          </a:p>
+          <a:p>
+            <a:pPr marL="285750" indent="-285750">
+              <a:buFont typeface="Arial" panose="020B0604020202020204" pitchFamily="34" charset="0"/>
+              <a:buChar char="•"/>
+            </a:pPr>
+            <a:endParaRPr lang="en-US" dirty="0"/>
+          </a:p>
+        </p:txBody>
+      </p:sp>
+      <p:grpSp>
+        <p:nvGrpSpPr>
+          <p:cNvPr id="10" name="그룹 9">
+            <a:extLst>
+              <a:ext uri="{FF2B5EF4-FFF2-40B4-BE49-F238E27FC236}">
+                <a16:creationId xmlns:a16="http://schemas.microsoft.com/office/drawing/2014/main" id="{BDCDCD21-1B7C-4D79-9DEC-40CE1D56A44A}"/>
+              </a:ext>
+            </a:extLst>
+          </p:cNvPr>
+          <p:cNvGrpSpPr/>
+          <p:nvPr/>
+        </p:nvGrpSpPr>
+        <p:grpSpPr>
+          <a:xfrm>
+            <a:off x="635000" y="354387"/>
+            <a:ext cx="3015744" cy="1172779"/>
+            <a:chOff x="635000" y="4167571"/>
+            <a:chExt cx="3015744" cy="1172779"/>
+          </a:xfrm>
+        </p:grpSpPr>
+        <p:sp>
+          <p:nvSpPr>
+            <p:cNvPr id="11" name="Rectangle 7">
+              <a:extLst>
+                <a:ext uri="{FF2B5EF4-FFF2-40B4-BE49-F238E27FC236}">
+                  <a16:creationId xmlns:a16="http://schemas.microsoft.com/office/drawing/2014/main" id="{DA8C8B01-8D4D-4FE2-97C9-2913B806A112}"/>
+                </a:ext>
+              </a:extLst>
+            </p:cNvPr>
+            <p:cNvSpPr/>
+            <p:nvPr/>
+          </p:nvSpPr>
+          <p:spPr>
+            <a:xfrm>
+              <a:off x="635000" y="4167571"/>
+              <a:ext cx="3015744" cy="1172779"/>
+            </a:xfrm>
+            <a:prstGeom prst="rect">
+              <a:avLst/>
+            </a:prstGeom>
+            <a:solidFill>
+              <a:schemeClr val="accent3"/>
+            </a:solidFill>
+            <a:ln>
+              <a:noFill/>
+            </a:ln>
+          </p:spPr>
+          <p:style>
+            <a:lnRef idx="2">
+              <a:schemeClr val="accent1">
+                <a:shade val="50000"/>
+              </a:schemeClr>
+            </a:lnRef>
+            <a:fillRef idx="1">
+              <a:schemeClr val="accent1"/>
+            </a:fillRef>
+            <a:effectRef idx="0">
+              <a:schemeClr val="accent1"/>
+            </a:effectRef>
+            <a:fontRef idx="minor">
+              <a:schemeClr val="lt1"/>
+            </a:fontRef>
+          </p:style>
+          <p:txBody>
+            <a:bodyPr rtlCol="0" anchor="ctr"/>
+            <a:lstStyle/>
+            <a:p>
+              <a:pPr marL="1206500"/>
+              <a:r>
+                <a:rPr lang="ko-KR" altLang="en-US" dirty="0">
+                  <a:solidFill>
+                    <a:schemeClr val="bg1"/>
+                  </a:solidFill>
+                </a:rPr>
+                <a:t>그래프를 통하여 시각적으로 예측 결과 확인</a:t>
+              </a:r>
+              <a:r>
+                <a:rPr lang="en-US" altLang="ko-KR" dirty="0">
+                  <a:solidFill>
+                    <a:schemeClr val="bg1"/>
+                  </a:solidFill>
+                </a:rPr>
+                <a:t> </a:t>
+              </a:r>
+            </a:p>
+          </p:txBody>
+        </p:sp>
+        <p:sp>
+          <p:nvSpPr>
+            <p:cNvPr id="12" name="Rectangle 14">
+              <a:extLst>
+                <a:ext uri="{FF2B5EF4-FFF2-40B4-BE49-F238E27FC236}">
+                  <a16:creationId xmlns:a16="http://schemas.microsoft.com/office/drawing/2014/main" id="{214405EF-AC60-4738-8E1D-7D25635D3954}"/>
+                </a:ext>
+              </a:extLst>
+            </p:cNvPr>
+            <p:cNvSpPr/>
+            <p:nvPr/>
+          </p:nvSpPr>
+          <p:spPr>
+            <a:xfrm>
+              <a:off x="635000" y="4167571"/>
+              <a:ext cx="1059944" cy="1172779"/>
+            </a:xfrm>
+            <a:prstGeom prst="rect">
+              <a:avLst/>
+            </a:prstGeom>
+            <a:solidFill>
+              <a:schemeClr val="accent3">
+                <a:lumMod val="75000"/>
+              </a:schemeClr>
+            </a:solidFill>
+            <a:ln>
+              <a:noFill/>
+            </a:ln>
+          </p:spPr>
+          <p:style>
+            <a:lnRef idx="2">
+              <a:schemeClr val="accent1">
+                <a:shade val="50000"/>
+              </a:schemeClr>
+            </a:lnRef>
+            <a:fillRef idx="1">
+              <a:schemeClr val="accent1"/>
+            </a:fillRef>
+            <a:effectRef idx="0">
+              <a:schemeClr val="accent1"/>
+            </a:effectRef>
+            <a:fontRef idx="minor">
+              <a:schemeClr val="lt1"/>
+            </a:fontRef>
+          </p:style>
+          <p:txBody>
+            <a:bodyPr rtlCol="0" anchor="ctr"/>
+            <a:lstStyle/>
+            <a:p>
+              <a:pPr algn="ctr"/>
+              <a:r>
+                <a:rPr lang="en-US" sz="3200" spc="-300" dirty="0">
+                  <a:latin typeface="Arial" panose="020B0604020202020204" pitchFamily="34" charset="0"/>
+                  <a:cs typeface="Arial" panose="020B0604020202020204" pitchFamily="34" charset="0"/>
+                </a:rPr>
+                <a:t>03</a:t>
+              </a:r>
+            </a:p>
+          </p:txBody>
+        </p:sp>
+      </p:grpSp>
+      <p:sp>
+        <p:nvSpPr>
+          <p:cNvPr id="2" name="슬라이드 번호 개체 틀 1">
+            <a:extLst>
+              <a:ext uri="{FF2B5EF4-FFF2-40B4-BE49-F238E27FC236}">
+                <a16:creationId xmlns:a16="http://schemas.microsoft.com/office/drawing/2014/main" id="{99ACB000-70ED-4B74-BDE1-FB7CDEB681D5}"/>
+              </a:ext>
+            </a:extLst>
+          </p:cNvPr>
+          <p:cNvSpPr>
+            <a:spLocks noGrp="1"/>
+          </p:cNvSpPr>
+          <p:nvPr>
+            <p:ph type="sldNum" sz="quarter" idx="12"/>
+          </p:nvPr>
+        </p:nvSpPr>
+        <p:spPr/>
+        <p:txBody>
+          <a:bodyPr/>
+          <a:lstStyle/>
+          <a:p>
+            <a:r>
+              <a:rPr lang="en-US" dirty="0"/>
+              <a:t>22</a:t>
+            </a:r>
+          </a:p>
+        </p:txBody>
+      </p:sp>
+      <p:sp>
+        <p:nvSpPr>
+          <p:cNvPr id="13" name="바닥글 개체 틀 10">
+            <a:extLst>
+              <a:ext uri="{FF2B5EF4-FFF2-40B4-BE49-F238E27FC236}">
+                <a16:creationId xmlns:a16="http://schemas.microsoft.com/office/drawing/2014/main" id="{2F99AD41-0988-46F4-BC69-A6DD70676059}"/>
+              </a:ext>
+            </a:extLst>
+          </p:cNvPr>
+          <p:cNvSpPr>
+            <a:spLocks noGrp="1"/>
+          </p:cNvSpPr>
+          <p:nvPr>
+            <p:ph type="ftr" sz="quarter" idx="11"/>
+          </p:nvPr>
+        </p:nvSpPr>
+        <p:spPr>
+          <a:xfrm>
+            <a:off x="8623069" y="6434667"/>
+            <a:ext cx="4114800" cy="365125"/>
+          </a:xfrm>
+        </p:spPr>
+        <p:txBody>
+          <a:bodyPr/>
+          <a:lstStyle/>
+          <a:p>
+            <a:r>
+              <a:rPr lang="en-US" altLang="ko-KR" dirty="0"/>
+              <a:t>Machine Learning</a:t>
+            </a:r>
+          </a:p>
+        </p:txBody>
+      </p:sp>
+      <p:pic>
+        <p:nvPicPr>
+          <p:cNvPr id="4" name="그림 3">
+            <a:extLst>
+              <a:ext uri="{FF2B5EF4-FFF2-40B4-BE49-F238E27FC236}">
+                <a16:creationId xmlns:a16="http://schemas.microsoft.com/office/drawing/2014/main" id="{4C56004A-F810-4AA7-B600-3127171CF8E1}"/>
+              </a:ext>
+            </a:extLst>
+          </p:cNvPr>
+          <p:cNvPicPr>
+            <a:picLocks noChangeAspect="1"/>
+          </p:cNvPicPr>
+          <p:nvPr/>
+        </p:nvPicPr>
+        <p:blipFill rotWithShape="1">
+          <a:blip r:embed="rId2">
+            <a:extLst>
+              <a:ext uri="{28A0092B-C50C-407E-A947-70E740481C1C}">
+                <a14:useLocalDpi xmlns:a14="http://schemas.microsoft.com/office/drawing/2010/main" val="0"/>
+              </a:ext>
+            </a:extLst>
+          </a:blip>
+          <a:srcRect l="6190" t="9588" r="6660" b="5579"/>
+          <a:stretch/>
+        </p:blipFill>
+        <p:spPr>
+          <a:xfrm>
+            <a:off x="635000" y="1661022"/>
+            <a:ext cx="3011281" cy="2189280"/>
+          </a:xfrm>
+          <a:prstGeom prst="rect">
+            <a:avLst/>
+          </a:prstGeom>
+        </p:spPr>
+      </p:pic>
+      <p:pic>
+        <p:nvPicPr>
+          <p:cNvPr id="6" name="그림 5">
+            <a:extLst>
+              <a:ext uri="{FF2B5EF4-FFF2-40B4-BE49-F238E27FC236}">
+                <a16:creationId xmlns:a16="http://schemas.microsoft.com/office/drawing/2014/main" id="{C750935C-27D8-47E5-BC1D-6022FD686136}"/>
+              </a:ext>
+            </a:extLst>
+          </p:cNvPr>
+          <p:cNvPicPr>
+            <a:picLocks noChangeAspect="1"/>
+          </p:cNvPicPr>
+          <p:nvPr/>
+        </p:nvPicPr>
+        <p:blipFill rotWithShape="1">
+          <a:blip r:embed="rId3">
+            <a:extLst>
+              <a:ext uri="{28A0092B-C50C-407E-A947-70E740481C1C}">
+                <a14:useLocalDpi xmlns:a14="http://schemas.microsoft.com/office/drawing/2010/main" val="0"/>
+              </a:ext>
+            </a:extLst>
+          </a:blip>
+          <a:srcRect l="6900" t="10318" r="9010" b="4848"/>
+          <a:stretch/>
+        </p:blipFill>
+        <p:spPr>
+          <a:xfrm>
+            <a:off x="4001549" y="1661022"/>
+            <a:ext cx="2994870" cy="2189280"/>
+          </a:xfrm>
+          <a:prstGeom prst="rect">
+            <a:avLst/>
+          </a:prstGeom>
+        </p:spPr>
+      </p:pic>
+      <p:pic>
+        <p:nvPicPr>
+          <p:cNvPr id="8" name="그림 7">
+            <a:extLst>
+              <a:ext uri="{FF2B5EF4-FFF2-40B4-BE49-F238E27FC236}">
+                <a16:creationId xmlns:a16="http://schemas.microsoft.com/office/drawing/2014/main" id="{E3EE61EB-0B68-412A-BF68-892BE8FEB461}"/>
+              </a:ext>
+            </a:extLst>
+          </p:cNvPr>
+          <p:cNvPicPr>
+            <a:picLocks noChangeAspect="1"/>
+          </p:cNvPicPr>
+          <p:nvPr/>
+        </p:nvPicPr>
+        <p:blipFill rotWithShape="1">
+          <a:blip r:embed="rId4">
+            <a:extLst>
+              <a:ext uri="{28A0092B-C50C-407E-A947-70E740481C1C}">
+                <a14:useLocalDpi xmlns:a14="http://schemas.microsoft.com/office/drawing/2010/main" val="0"/>
+              </a:ext>
+            </a:extLst>
+          </a:blip>
+          <a:srcRect l="6900" t="10510" r="9010" b="4656"/>
+          <a:stretch/>
+        </p:blipFill>
+        <p:spPr>
+          <a:xfrm>
+            <a:off x="635000" y="4185494"/>
+            <a:ext cx="3011281" cy="2058448"/>
+          </a:xfrm>
+          <a:prstGeom prst="rect">
+            <a:avLst/>
+          </a:prstGeom>
+        </p:spPr>
+      </p:pic>
+      <p:sp>
+        <p:nvSpPr>
+          <p:cNvPr id="9" name="TextBox 8">
+            <a:extLst>
+              <a:ext uri="{FF2B5EF4-FFF2-40B4-BE49-F238E27FC236}">
+                <a16:creationId xmlns:a16="http://schemas.microsoft.com/office/drawing/2014/main" id="{82B1A9D1-36B0-4F0A-BF18-C56452147A38}"/>
+              </a:ext>
+            </a:extLst>
+          </p:cNvPr>
+          <p:cNvSpPr txBox="1"/>
+          <p:nvPr/>
+        </p:nvSpPr>
+        <p:spPr>
+          <a:xfrm>
+            <a:off x="1234629" y="3850302"/>
+            <a:ext cx="1812022" cy="307777"/>
+          </a:xfrm>
+          <a:prstGeom prst="rect">
+            <a:avLst/>
+          </a:prstGeom>
+          <a:noFill/>
+        </p:spPr>
+        <p:txBody>
+          <a:bodyPr wrap="square" rtlCol="0">
+            <a:spAutoFit/>
+          </a:bodyPr>
+          <a:lstStyle/>
+          <a:p>
+            <a:pPr algn="ctr"/>
+            <a:r>
+              <a:rPr lang="en-US" altLang="ko-KR" sz="1400" dirty="0">
+                <a:latin typeface="+mn-ea"/>
+              </a:rPr>
+              <a:t>&lt;</a:t>
+            </a:r>
+            <a:r>
+              <a:rPr lang="ko-KR" altLang="en-US" sz="1400" dirty="0" err="1">
+                <a:latin typeface="+mn-ea"/>
+              </a:rPr>
+              <a:t>비트코인</a:t>
+            </a:r>
+            <a:r>
+              <a:rPr lang="en-US" altLang="ko-KR" sz="1400" dirty="0">
+                <a:latin typeface="+mn-ea"/>
+              </a:rPr>
+              <a:t>&gt;</a:t>
+            </a:r>
+            <a:endParaRPr lang="ko-KR" altLang="en-US" sz="1400" dirty="0">
+              <a:latin typeface="+mn-ea"/>
+            </a:endParaRPr>
+          </a:p>
+        </p:txBody>
+      </p:sp>
+      <p:sp>
+        <p:nvSpPr>
+          <p:cNvPr id="15" name="TextBox 14">
+            <a:extLst>
+              <a:ext uri="{FF2B5EF4-FFF2-40B4-BE49-F238E27FC236}">
+                <a16:creationId xmlns:a16="http://schemas.microsoft.com/office/drawing/2014/main" id="{B65586AF-1DCD-4057-90B0-58BD4339CF6E}"/>
+              </a:ext>
+            </a:extLst>
+          </p:cNvPr>
+          <p:cNvSpPr txBox="1"/>
+          <p:nvPr/>
+        </p:nvSpPr>
+        <p:spPr>
+          <a:xfrm>
+            <a:off x="4589433" y="3877717"/>
+            <a:ext cx="1812022" cy="307777"/>
+          </a:xfrm>
+          <a:prstGeom prst="rect">
+            <a:avLst/>
+          </a:prstGeom>
+          <a:noFill/>
+        </p:spPr>
+        <p:txBody>
+          <a:bodyPr wrap="square" rtlCol="0">
+            <a:spAutoFit/>
+          </a:bodyPr>
+          <a:lstStyle/>
+          <a:p>
+            <a:pPr algn="ctr"/>
+            <a:r>
+              <a:rPr lang="en-US" altLang="ko-KR" sz="1400" dirty="0"/>
+              <a:t>&lt;</a:t>
+            </a:r>
+            <a:r>
+              <a:rPr lang="ko-KR" altLang="en-US" sz="1400" dirty="0" err="1"/>
+              <a:t>비트코인</a:t>
+            </a:r>
+            <a:r>
+              <a:rPr lang="ko-KR" altLang="en-US" sz="1400" dirty="0"/>
+              <a:t> 캐쉬</a:t>
+            </a:r>
+            <a:r>
+              <a:rPr lang="en-US" altLang="ko-KR" sz="1400" dirty="0"/>
+              <a:t>&gt;</a:t>
+            </a:r>
+            <a:endParaRPr lang="ko-KR" altLang="en-US" sz="1400" dirty="0"/>
+          </a:p>
+        </p:txBody>
+      </p:sp>
+      <p:sp>
+        <p:nvSpPr>
+          <p:cNvPr id="16" name="TextBox 15">
+            <a:extLst>
+              <a:ext uri="{FF2B5EF4-FFF2-40B4-BE49-F238E27FC236}">
+                <a16:creationId xmlns:a16="http://schemas.microsoft.com/office/drawing/2014/main" id="{B6BA3C4F-5FAE-42DE-9871-134F319D0A08}"/>
+              </a:ext>
+            </a:extLst>
+          </p:cNvPr>
+          <p:cNvSpPr txBox="1"/>
+          <p:nvPr/>
+        </p:nvSpPr>
+        <p:spPr>
+          <a:xfrm>
+            <a:off x="3483484" y="5936165"/>
+            <a:ext cx="1812022" cy="307777"/>
+          </a:xfrm>
+          <a:prstGeom prst="rect">
+            <a:avLst/>
+          </a:prstGeom>
+          <a:noFill/>
+        </p:spPr>
+        <p:txBody>
+          <a:bodyPr wrap="square" rtlCol="0">
+            <a:spAutoFit/>
+          </a:bodyPr>
+          <a:lstStyle/>
+          <a:p>
+            <a:pPr algn="ctr"/>
+            <a:r>
+              <a:rPr lang="en-US" altLang="ko-KR" sz="1400" dirty="0"/>
+              <a:t>&lt;</a:t>
+            </a:r>
+            <a:r>
+              <a:rPr lang="ko-KR" altLang="en-US" sz="1400" dirty="0" err="1"/>
+              <a:t>이더리움</a:t>
+            </a:r>
+            <a:r>
+              <a:rPr lang="ko-KR" altLang="en-US" sz="1400" dirty="0"/>
+              <a:t> 클래식</a:t>
+            </a:r>
+            <a:r>
+              <a:rPr lang="en-US" altLang="ko-KR" sz="1400" dirty="0"/>
+              <a:t>&gt;</a:t>
+            </a:r>
+            <a:endParaRPr lang="ko-KR" altLang="en-US" sz="1400" dirty="0"/>
+          </a:p>
+        </p:txBody>
+      </p:sp>
+      <p:sp>
+        <p:nvSpPr>
+          <p:cNvPr id="14" name="직사각형 13">
+            <a:extLst>
+              <a:ext uri="{FF2B5EF4-FFF2-40B4-BE49-F238E27FC236}">
+                <a16:creationId xmlns:a16="http://schemas.microsoft.com/office/drawing/2014/main" id="{134E8720-EA8A-40D1-BEEC-0C72676F0F7E}"/>
+              </a:ext>
+            </a:extLst>
+          </p:cNvPr>
+          <p:cNvSpPr/>
+          <p:nvPr/>
+        </p:nvSpPr>
+        <p:spPr>
+          <a:xfrm>
+            <a:off x="4689446" y="4420998"/>
+            <a:ext cx="2306973" cy="1115736"/>
+          </a:xfrm>
+          <a:prstGeom prst="rect">
+            <a:avLst/>
+          </a:prstGeom>
+          <a:noFill/>
+          <a:ln w="28575"/>
+        </p:spPr>
+        <p:style>
+          <a:lnRef idx="2">
+            <a:schemeClr val="accent1">
+              <a:shade val="50000"/>
+            </a:schemeClr>
+          </a:lnRef>
+          <a:fillRef idx="1">
+            <a:schemeClr val="accent1"/>
+          </a:fillRef>
+          <a:effectRef idx="0">
+            <a:schemeClr val="accent1"/>
+          </a:effectRef>
+          <a:fontRef idx="minor">
+            <a:schemeClr val="lt1"/>
+          </a:fontRef>
+        </p:style>
+        <p:txBody>
+          <a:bodyPr rtlCol="0" anchor="ctr"/>
+          <a:lstStyle/>
+          <a:p>
+            <a:pPr algn="ctr"/>
+            <a:endParaRPr lang="ko-KR" altLang="en-US"/>
+          </a:p>
+        </p:txBody>
+      </p:sp>
+      <p:cxnSp>
+        <p:nvCxnSpPr>
+          <p:cNvPr id="18" name="직선 연결선 17">
+            <a:extLst>
+              <a:ext uri="{FF2B5EF4-FFF2-40B4-BE49-F238E27FC236}">
+                <a16:creationId xmlns:a16="http://schemas.microsoft.com/office/drawing/2014/main" id="{2776655F-431E-4C9C-B4BF-82AED24DFE11}"/>
+              </a:ext>
+            </a:extLst>
+          </p:cNvPr>
+          <p:cNvCxnSpPr/>
+          <p:nvPr/>
+        </p:nvCxnSpPr>
+        <p:spPr>
+          <a:xfrm>
+            <a:off x="4848837" y="4721511"/>
+            <a:ext cx="1057013" cy="0"/>
+          </a:xfrm>
+          <a:prstGeom prst="line">
+            <a:avLst/>
+          </a:prstGeom>
+          <a:ln w="38100"/>
+        </p:spPr>
+        <p:style>
+          <a:lnRef idx="1">
+            <a:schemeClr val="accent1"/>
+          </a:lnRef>
+          <a:fillRef idx="0">
+            <a:schemeClr val="accent1"/>
+          </a:fillRef>
+          <a:effectRef idx="0">
+            <a:schemeClr val="accent1"/>
+          </a:effectRef>
+          <a:fontRef idx="minor">
+            <a:schemeClr val="tx1"/>
+          </a:fontRef>
+        </p:style>
+      </p:cxnSp>
+      <p:cxnSp>
+        <p:nvCxnSpPr>
+          <p:cNvPr id="20" name="직선 연결선 19">
+            <a:extLst>
+              <a:ext uri="{FF2B5EF4-FFF2-40B4-BE49-F238E27FC236}">
+                <a16:creationId xmlns:a16="http://schemas.microsoft.com/office/drawing/2014/main" id="{703DA7AB-AB96-47F0-BDE5-D5203B12C9FB}"/>
+              </a:ext>
+            </a:extLst>
+          </p:cNvPr>
+          <p:cNvCxnSpPr/>
+          <p:nvPr/>
+        </p:nvCxnSpPr>
+        <p:spPr>
+          <a:xfrm>
+            <a:off x="4848837" y="5239885"/>
+            <a:ext cx="1057013" cy="0"/>
+          </a:xfrm>
+          <a:prstGeom prst="line">
+            <a:avLst/>
+          </a:prstGeom>
+          <a:ln w="38100">
+            <a:solidFill>
+              <a:srgbClr val="FFC000"/>
+            </a:solidFill>
+          </a:ln>
+        </p:spPr>
+        <p:style>
+          <a:lnRef idx="1">
+            <a:schemeClr val="accent1"/>
+          </a:lnRef>
+          <a:fillRef idx="0">
+            <a:schemeClr val="accent1"/>
+          </a:fillRef>
+          <a:effectRef idx="0">
+            <a:schemeClr val="accent1"/>
+          </a:effectRef>
+          <a:fontRef idx="minor">
+            <a:schemeClr val="tx1"/>
+          </a:fontRef>
+        </p:style>
+      </p:cxnSp>
+      <p:sp>
+        <p:nvSpPr>
+          <p:cNvPr id="19" name="TextBox 18">
+            <a:extLst>
+              <a:ext uri="{FF2B5EF4-FFF2-40B4-BE49-F238E27FC236}">
+                <a16:creationId xmlns:a16="http://schemas.microsoft.com/office/drawing/2014/main" id="{965A3109-D451-4FB6-AE46-39344FDA74A7}"/>
+              </a:ext>
+            </a:extLst>
+          </p:cNvPr>
+          <p:cNvSpPr txBox="1"/>
+          <p:nvPr/>
+        </p:nvSpPr>
+        <p:spPr>
+          <a:xfrm>
+            <a:off x="5981350" y="4580389"/>
+            <a:ext cx="788565" cy="276999"/>
+          </a:xfrm>
+          <a:prstGeom prst="rect">
+            <a:avLst/>
+          </a:prstGeom>
+          <a:noFill/>
+        </p:spPr>
+        <p:txBody>
+          <a:bodyPr wrap="square" rtlCol="0">
+            <a:spAutoFit/>
+          </a:bodyPr>
+          <a:lstStyle/>
+          <a:p>
+            <a:pPr algn="ctr"/>
+            <a:r>
+              <a:rPr lang="ko-KR" altLang="en-US" sz="1200" dirty="0"/>
+              <a:t>예측 값</a:t>
+            </a:r>
+          </a:p>
+        </p:txBody>
+      </p:sp>
+      <p:sp>
+        <p:nvSpPr>
+          <p:cNvPr id="23" name="TextBox 22">
+            <a:extLst>
+              <a:ext uri="{FF2B5EF4-FFF2-40B4-BE49-F238E27FC236}">
+                <a16:creationId xmlns:a16="http://schemas.microsoft.com/office/drawing/2014/main" id="{F6CE411B-3767-4690-A3D5-9190CFB35A53}"/>
+              </a:ext>
+            </a:extLst>
+          </p:cNvPr>
+          <p:cNvSpPr txBox="1"/>
+          <p:nvPr/>
+        </p:nvSpPr>
+        <p:spPr>
+          <a:xfrm>
+            <a:off x="5982005" y="5076218"/>
+            <a:ext cx="788565" cy="276999"/>
+          </a:xfrm>
+          <a:prstGeom prst="rect">
+            <a:avLst/>
+          </a:prstGeom>
+          <a:noFill/>
+        </p:spPr>
+        <p:txBody>
+          <a:bodyPr wrap="square" rtlCol="0">
+            <a:spAutoFit/>
+          </a:bodyPr>
+          <a:lstStyle/>
+          <a:p>
+            <a:pPr algn="ctr"/>
+            <a:r>
+              <a:rPr lang="ko-KR" altLang="en-US" sz="1200" dirty="0"/>
+              <a:t>실제 값</a:t>
+            </a:r>
+          </a:p>
+        </p:txBody>
+      </p:sp>
+    </p:spTree>
+    <p:extLst>
+      <p:ext uri="{BB962C8B-B14F-4D97-AF65-F5344CB8AC3E}">
+        <p14:creationId xmlns:p14="http://schemas.microsoft.com/office/powerpoint/2010/main" val="4142135660"/>
+      </p:ext>
+    </p:extLst>
+  </p:cSld>
+  <p:clrMapOvr>
+    <a:masterClrMapping/>
+  </p:clrMapOvr>
+</p:sld>
+</file>
+
+<file path=ppt/slides/slide25.xml><?xml version="1.0" encoding="utf-8"?>
 <p:sld xmlns:a="http://schemas.openxmlformats.org/drawingml/2006/main" xmlns:r="http://schemas.openxmlformats.org/officeDocument/2006/relationships" xmlns:p="http://schemas.openxmlformats.org/presentationml/2006/main">
   <p:cSld>
     <p:spTree>
